--- a/structs/presentation.pptx
+++ b/structs/presentation.pptx
@@ -4,6 +4,9 @@
   <p:sldMasterIdLst>
     <p:sldMasterId id="2147483660" r:id="rId1"/>
   </p:sldMasterIdLst>
+  <p:notesMasterIdLst>
+    <p:notesMasterId r:id="rId20"/>
+  </p:notesMasterIdLst>
   <p:sldIdLst>
     <p:sldId id="256" r:id="rId2"/>
     <p:sldId id="257" r:id="rId3"/>
@@ -166,6 +169,2017 @@
     </p:ext>
   </p:extLst>
 </p:presentation>
+</file>
+
+<file path=ppt/notesMasters/notesMaster1.xml><?xml version="1.0" encoding="utf-8"?>
+<p:notesMaster xmlns:a="http://schemas.openxmlformats.org/drawingml/2006/main" xmlns:r="http://schemas.openxmlformats.org/officeDocument/2006/relationships" xmlns:p="http://schemas.openxmlformats.org/presentationml/2006/main">
+  <p:cSld>
+    <p:bg>
+      <p:bgRef idx="1001">
+        <a:schemeClr val="bg1"/>
+      </p:bgRef>
+    </p:bg>
+    <p:spTree>
+      <p:nvGrpSpPr>
+        <p:cNvPr id="1" name=""/>
+        <p:cNvGrpSpPr/>
+        <p:nvPr/>
+      </p:nvGrpSpPr>
+      <p:grpSpPr>
+        <a:xfrm>
+          <a:off x="0" y="0"/>
+          <a:ext cx="0" cy="0"/>
+          <a:chOff x="0" y="0"/>
+          <a:chExt cx="0" cy="0"/>
+        </a:xfrm>
+      </p:grpSpPr>
+      <p:sp>
+        <p:nvSpPr>
+          <p:cNvPr id="2" name="Верхний колонтитул 1"/>
+          <p:cNvSpPr>
+            <a:spLocks noGrp="1"/>
+          </p:cNvSpPr>
+          <p:nvPr>
+            <p:ph type="hdr" sz="quarter"/>
+          </p:nvPr>
+        </p:nvSpPr>
+        <p:spPr>
+          <a:xfrm>
+            <a:off x="0" y="0"/>
+            <a:ext cx="2971800" cy="458788"/>
+          </a:xfrm>
+          <a:prstGeom prst="rect">
+            <a:avLst/>
+          </a:prstGeom>
+        </p:spPr>
+        <p:txBody>
+          <a:bodyPr vert="horz" lIns="91440" tIns="45720" rIns="91440" bIns="45720" rtlCol="0"/>
+          <a:lstStyle>
+            <a:lvl1pPr algn="l">
+              <a:defRPr sz="1200"/>
+            </a:lvl1pPr>
+          </a:lstStyle>
+          <a:p>
+            <a:endParaRPr lang="ru-RU"/>
+          </a:p>
+        </p:txBody>
+      </p:sp>
+      <p:sp>
+        <p:nvSpPr>
+          <p:cNvPr id="3" name="Дата 2"/>
+          <p:cNvSpPr>
+            <a:spLocks noGrp="1"/>
+          </p:cNvSpPr>
+          <p:nvPr>
+            <p:ph type="dt" idx="1"/>
+          </p:nvPr>
+        </p:nvSpPr>
+        <p:spPr>
+          <a:xfrm>
+            <a:off x="3884613" y="0"/>
+            <a:ext cx="2971800" cy="458788"/>
+          </a:xfrm>
+          <a:prstGeom prst="rect">
+            <a:avLst/>
+          </a:prstGeom>
+        </p:spPr>
+        <p:txBody>
+          <a:bodyPr vert="horz" lIns="91440" tIns="45720" rIns="91440" bIns="45720" rtlCol="0"/>
+          <a:lstStyle>
+            <a:lvl1pPr algn="r">
+              <a:defRPr sz="1200"/>
+            </a:lvl1pPr>
+          </a:lstStyle>
+          <a:p>
+            <a:fld id="{3CF24FAC-C6BC-47BE-82F9-2321662BDF42}" type="datetimeFigureOut">
+              <a:rPr lang="ru-RU" smtClean="0"/>
+              <a:t>02.12.2021</a:t>
+            </a:fld>
+            <a:endParaRPr lang="ru-RU"/>
+          </a:p>
+        </p:txBody>
+      </p:sp>
+      <p:sp>
+        <p:nvSpPr>
+          <p:cNvPr id="4" name="Образ слайда 3"/>
+          <p:cNvSpPr>
+            <a:spLocks noGrp="1" noRot="1" noChangeAspect="1"/>
+          </p:cNvSpPr>
+          <p:nvPr>
+            <p:ph type="sldImg" idx="2"/>
+          </p:nvPr>
+        </p:nvSpPr>
+        <p:spPr>
+          <a:xfrm>
+            <a:off x="685800" y="1143000"/>
+            <a:ext cx="5486400" cy="3086100"/>
+          </a:xfrm>
+          <a:prstGeom prst="rect">
+            <a:avLst/>
+          </a:prstGeom>
+          <a:noFill/>
+          <a:ln w="12700">
+            <a:solidFill>
+              <a:prstClr val="black"/>
+            </a:solidFill>
+          </a:ln>
+        </p:spPr>
+        <p:txBody>
+          <a:bodyPr vert="horz" lIns="91440" tIns="45720" rIns="91440" bIns="45720" rtlCol="0" anchor="ctr"/>
+          <a:lstStyle/>
+          <a:p>
+            <a:endParaRPr lang="ru-RU"/>
+          </a:p>
+        </p:txBody>
+      </p:sp>
+      <p:sp>
+        <p:nvSpPr>
+          <p:cNvPr id="5" name="Заметки 4"/>
+          <p:cNvSpPr>
+            <a:spLocks noGrp="1"/>
+          </p:cNvSpPr>
+          <p:nvPr>
+            <p:ph type="body" sz="quarter" idx="3"/>
+          </p:nvPr>
+        </p:nvSpPr>
+        <p:spPr>
+          <a:xfrm>
+            <a:off x="685800" y="4400550"/>
+            <a:ext cx="5486400" cy="3600450"/>
+          </a:xfrm>
+          <a:prstGeom prst="rect">
+            <a:avLst/>
+          </a:prstGeom>
+        </p:spPr>
+        <p:txBody>
+          <a:bodyPr vert="horz" lIns="91440" tIns="45720" rIns="91440" bIns="45720" rtlCol="0"/>
+          <a:lstStyle/>
+          <a:p>
+            <a:pPr lvl="0"/>
+            <a:r>
+              <a:rPr lang="ru-RU" smtClean="0"/>
+              <a:t>Образец текста</a:t>
+            </a:r>
+          </a:p>
+          <a:p>
+            <a:pPr lvl="1"/>
+            <a:r>
+              <a:rPr lang="ru-RU" smtClean="0"/>
+              <a:t>Второй уровень</a:t>
+            </a:r>
+          </a:p>
+          <a:p>
+            <a:pPr lvl="2"/>
+            <a:r>
+              <a:rPr lang="ru-RU" smtClean="0"/>
+              <a:t>Третий уровень</a:t>
+            </a:r>
+          </a:p>
+          <a:p>
+            <a:pPr lvl="3"/>
+            <a:r>
+              <a:rPr lang="ru-RU" smtClean="0"/>
+              <a:t>Четвертый уровень</a:t>
+            </a:r>
+          </a:p>
+          <a:p>
+            <a:pPr lvl="4"/>
+            <a:r>
+              <a:rPr lang="ru-RU" smtClean="0"/>
+              <a:t>Пятый уровень</a:t>
+            </a:r>
+            <a:endParaRPr lang="ru-RU"/>
+          </a:p>
+        </p:txBody>
+      </p:sp>
+      <p:sp>
+        <p:nvSpPr>
+          <p:cNvPr id="6" name="Нижний колонтитул 5"/>
+          <p:cNvSpPr>
+            <a:spLocks noGrp="1"/>
+          </p:cNvSpPr>
+          <p:nvPr>
+            <p:ph type="ftr" sz="quarter" idx="4"/>
+          </p:nvPr>
+        </p:nvSpPr>
+        <p:spPr>
+          <a:xfrm>
+            <a:off x="0" y="8685213"/>
+            <a:ext cx="2971800" cy="458787"/>
+          </a:xfrm>
+          <a:prstGeom prst="rect">
+            <a:avLst/>
+          </a:prstGeom>
+        </p:spPr>
+        <p:txBody>
+          <a:bodyPr vert="horz" lIns="91440" tIns="45720" rIns="91440" bIns="45720" rtlCol="0" anchor="b"/>
+          <a:lstStyle>
+            <a:lvl1pPr algn="l">
+              <a:defRPr sz="1200"/>
+            </a:lvl1pPr>
+          </a:lstStyle>
+          <a:p>
+            <a:endParaRPr lang="ru-RU"/>
+          </a:p>
+        </p:txBody>
+      </p:sp>
+      <p:sp>
+        <p:nvSpPr>
+          <p:cNvPr id="7" name="Номер слайда 6"/>
+          <p:cNvSpPr>
+            <a:spLocks noGrp="1"/>
+          </p:cNvSpPr>
+          <p:nvPr>
+            <p:ph type="sldNum" sz="quarter" idx="5"/>
+          </p:nvPr>
+        </p:nvSpPr>
+        <p:spPr>
+          <a:xfrm>
+            <a:off x="3884613" y="8685213"/>
+            <a:ext cx="2971800" cy="458787"/>
+          </a:xfrm>
+          <a:prstGeom prst="rect">
+            <a:avLst/>
+          </a:prstGeom>
+        </p:spPr>
+        <p:txBody>
+          <a:bodyPr vert="horz" lIns="91440" tIns="45720" rIns="91440" bIns="45720" rtlCol="0" anchor="b"/>
+          <a:lstStyle>
+            <a:lvl1pPr algn="r">
+              <a:defRPr sz="1200"/>
+            </a:lvl1pPr>
+          </a:lstStyle>
+          <a:p>
+            <a:fld id="{6742DBE5-22E8-49C6-9E16-7DF565CD21B8}" type="slidenum">
+              <a:rPr lang="ru-RU" smtClean="0"/>
+              <a:t>‹#›</a:t>
+            </a:fld>
+            <a:endParaRPr lang="ru-RU"/>
+          </a:p>
+        </p:txBody>
+      </p:sp>
+    </p:spTree>
+    <p:extLst>
+      <p:ext uri="{BB962C8B-B14F-4D97-AF65-F5344CB8AC3E}">
+        <p14:creationId xmlns:p14="http://schemas.microsoft.com/office/powerpoint/2010/main" val="1812334297"/>
+      </p:ext>
+    </p:extLst>
+  </p:cSld>
+  <p:clrMap bg1="lt1" tx1="dk1" bg2="lt2" tx2="dk2" accent1="accent1" accent2="accent2" accent3="accent3" accent4="accent4" accent5="accent5" accent6="accent6" hlink="hlink" folHlink="folHlink"/>
+  <p:notesStyle>
+    <a:lvl1pPr marL="0" algn="l" defTabSz="914400" rtl="0" eaLnBrk="1" latinLnBrk="0" hangingPunct="1">
+      <a:defRPr sz="1200" kern="1200">
+        <a:solidFill>
+          <a:schemeClr val="tx1"/>
+        </a:solidFill>
+        <a:latin typeface="+mn-lt"/>
+        <a:ea typeface="+mn-ea"/>
+        <a:cs typeface="+mn-cs"/>
+      </a:defRPr>
+    </a:lvl1pPr>
+    <a:lvl2pPr marL="457200" algn="l" defTabSz="914400" rtl="0" eaLnBrk="1" latinLnBrk="0" hangingPunct="1">
+      <a:defRPr sz="1200" kern="1200">
+        <a:solidFill>
+          <a:schemeClr val="tx1"/>
+        </a:solidFill>
+        <a:latin typeface="+mn-lt"/>
+        <a:ea typeface="+mn-ea"/>
+        <a:cs typeface="+mn-cs"/>
+      </a:defRPr>
+    </a:lvl2pPr>
+    <a:lvl3pPr marL="914400" algn="l" defTabSz="914400" rtl="0" eaLnBrk="1" latinLnBrk="0" hangingPunct="1">
+      <a:defRPr sz="1200" kern="1200">
+        <a:solidFill>
+          <a:schemeClr val="tx1"/>
+        </a:solidFill>
+        <a:latin typeface="+mn-lt"/>
+        <a:ea typeface="+mn-ea"/>
+        <a:cs typeface="+mn-cs"/>
+      </a:defRPr>
+    </a:lvl3pPr>
+    <a:lvl4pPr marL="1371600" algn="l" defTabSz="914400" rtl="0" eaLnBrk="1" latinLnBrk="0" hangingPunct="1">
+      <a:defRPr sz="1200" kern="1200">
+        <a:solidFill>
+          <a:schemeClr val="tx1"/>
+        </a:solidFill>
+        <a:latin typeface="+mn-lt"/>
+        <a:ea typeface="+mn-ea"/>
+        <a:cs typeface="+mn-cs"/>
+      </a:defRPr>
+    </a:lvl4pPr>
+    <a:lvl5pPr marL="1828800" algn="l" defTabSz="914400" rtl="0" eaLnBrk="1" latinLnBrk="0" hangingPunct="1">
+      <a:defRPr sz="1200" kern="1200">
+        <a:solidFill>
+          <a:schemeClr val="tx1"/>
+        </a:solidFill>
+        <a:latin typeface="+mn-lt"/>
+        <a:ea typeface="+mn-ea"/>
+        <a:cs typeface="+mn-cs"/>
+      </a:defRPr>
+    </a:lvl5pPr>
+    <a:lvl6pPr marL="2286000" algn="l" defTabSz="914400" rtl="0" eaLnBrk="1" latinLnBrk="0" hangingPunct="1">
+      <a:defRPr sz="1200" kern="1200">
+        <a:solidFill>
+          <a:schemeClr val="tx1"/>
+        </a:solidFill>
+        <a:latin typeface="+mn-lt"/>
+        <a:ea typeface="+mn-ea"/>
+        <a:cs typeface="+mn-cs"/>
+      </a:defRPr>
+    </a:lvl6pPr>
+    <a:lvl7pPr marL="2743200" algn="l" defTabSz="914400" rtl="0" eaLnBrk="1" latinLnBrk="0" hangingPunct="1">
+      <a:defRPr sz="1200" kern="1200">
+        <a:solidFill>
+          <a:schemeClr val="tx1"/>
+        </a:solidFill>
+        <a:latin typeface="+mn-lt"/>
+        <a:ea typeface="+mn-ea"/>
+        <a:cs typeface="+mn-cs"/>
+      </a:defRPr>
+    </a:lvl7pPr>
+    <a:lvl8pPr marL="3200400" algn="l" defTabSz="914400" rtl="0" eaLnBrk="1" latinLnBrk="0" hangingPunct="1">
+      <a:defRPr sz="1200" kern="1200">
+        <a:solidFill>
+          <a:schemeClr val="tx1"/>
+        </a:solidFill>
+        <a:latin typeface="+mn-lt"/>
+        <a:ea typeface="+mn-ea"/>
+        <a:cs typeface="+mn-cs"/>
+      </a:defRPr>
+    </a:lvl8pPr>
+    <a:lvl9pPr marL="3657600" algn="l" defTabSz="914400" rtl="0" eaLnBrk="1" latinLnBrk="0" hangingPunct="1">
+      <a:defRPr sz="1200" kern="1200">
+        <a:solidFill>
+          <a:schemeClr val="tx1"/>
+        </a:solidFill>
+        <a:latin typeface="+mn-lt"/>
+        <a:ea typeface="+mn-ea"/>
+        <a:cs typeface="+mn-cs"/>
+      </a:defRPr>
+    </a:lvl9pPr>
+  </p:notesStyle>
+</p:notesMaster>
+</file>
+
+<file path=ppt/notesSlides/notesSlide1.xml><?xml version="1.0" encoding="utf-8"?>
+<p:notes xmlns:a="http://schemas.openxmlformats.org/drawingml/2006/main" xmlns:r="http://schemas.openxmlformats.org/officeDocument/2006/relationships" xmlns:p="http://schemas.openxmlformats.org/presentationml/2006/main">
+  <p:cSld>
+    <p:spTree>
+      <p:nvGrpSpPr>
+        <p:cNvPr id="1" name=""/>
+        <p:cNvGrpSpPr/>
+        <p:nvPr/>
+      </p:nvGrpSpPr>
+      <p:grpSpPr>
+        <a:xfrm>
+          <a:off x="0" y="0"/>
+          <a:ext cx="0" cy="0"/>
+          <a:chOff x="0" y="0"/>
+          <a:chExt cx="0" cy="0"/>
+        </a:xfrm>
+      </p:grpSpPr>
+      <p:sp>
+        <p:nvSpPr>
+          <p:cNvPr id="2" name="Образ слайда 1"/>
+          <p:cNvSpPr>
+            <a:spLocks noGrp="1" noRot="1" noChangeAspect="1"/>
+          </p:cNvSpPr>
+          <p:nvPr>
+            <p:ph type="sldImg"/>
+          </p:nvPr>
+        </p:nvSpPr>
+        <p:spPr/>
+      </p:sp>
+      <p:sp>
+        <p:nvSpPr>
+          <p:cNvPr id="3" name="Заметки 2"/>
+          <p:cNvSpPr>
+            <a:spLocks noGrp="1"/>
+          </p:cNvSpPr>
+          <p:nvPr>
+            <p:ph type="body" idx="1"/>
+          </p:nvPr>
+        </p:nvSpPr>
+        <p:spPr/>
+        <p:txBody>
+          <a:bodyPr/>
+          <a:lstStyle/>
+          <a:p>
+            <a:r>
+              <a:rPr lang="ru-RU" dirty="0" smtClean="0"/>
+              <a:t>Поговорим</a:t>
+            </a:r>
+            <a:r>
+              <a:rPr lang="ru-RU" baseline="0" dirty="0" smtClean="0"/>
+              <a:t> про структуры</a:t>
+            </a:r>
+            <a:br>
+              <a:rPr lang="ru-RU" baseline="0" dirty="0" smtClean="0"/>
+            </a:br>
+            <a:r>
+              <a:rPr lang="ru-RU" baseline="0" dirty="0" smtClean="0"/>
+              <a:t>Обсудим чем они отличаются от классов, какие дают преимущества, затронем основные возможности и поговорим о сценариях использования</a:t>
+            </a:r>
+            <a:endParaRPr lang="ru-RU" dirty="0"/>
+          </a:p>
+        </p:txBody>
+      </p:sp>
+      <p:sp>
+        <p:nvSpPr>
+          <p:cNvPr id="4" name="Номер слайда 3"/>
+          <p:cNvSpPr>
+            <a:spLocks noGrp="1"/>
+          </p:cNvSpPr>
+          <p:nvPr>
+            <p:ph type="sldNum" sz="quarter" idx="10"/>
+          </p:nvPr>
+        </p:nvSpPr>
+        <p:spPr/>
+        <p:txBody>
+          <a:bodyPr/>
+          <a:lstStyle/>
+          <a:p>
+            <a:fld id="{6742DBE5-22E8-49C6-9E16-7DF565CD21B8}" type="slidenum">
+              <a:rPr lang="ru-RU" smtClean="0"/>
+              <a:t>1</a:t>
+            </a:fld>
+            <a:endParaRPr lang="ru-RU"/>
+          </a:p>
+        </p:txBody>
+      </p:sp>
+    </p:spTree>
+    <p:extLst>
+      <p:ext uri="{BB962C8B-B14F-4D97-AF65-F5344CB8AC3E}">
+        <p14:creationId xmlns:p14="http://schemas.microsoft.com/office/powerpoint/2010/main" val="2118722566"/>
+      </p:ext>
+    </p:extLst>
+  </p:cSld>
+  <p:clrMapOvr>
+    <a:masterClrMapping/>
+  </p:clrMapOvr>
+</p:notes>
+</file>
+
+<file path=ppt/notesSlides/notesSlide10.xml><?xml version="1.0" encoding="utf-8"?>
+<p:notes xmlns:a="http://schemas.openxmlformats.org/drawingml/2006/main" xmlns:r="http://schemas.openxmlformats.org/officeDocument/2006/relationships" xmlns:p="http://schemas.openxmlformats.org/presentationml/2006/main">
+  <p:cSld>
+    <p:spTree>
+      <p:nvGrpSpPr>
+        <p:cNvPr id="1" name=""/>
+        <p:cNvGrpSpPr/>
+        <p:nvPr/>
+      </p:nvGrpSpPr>
+      <p:grpSpPr>
+        <a:xfrm>
+          <a:off x="0" y="0"/>
+          <a:ext cx="0" cy="0"/>
+          <a:chOff x="0" y="0"/>
+          <a:chExt cx="0" cy="0"/>
+        </a:xfrm>
+      </p:grpSpPr>
+      <p:sp>
+        <p:nvSpPr>
+          <p:cNvPr id="2" name="Образ слайда 1"/>
+          <p:cNvSpPr>
+            <a:spLocks noGrp="1" noRot="1" noChangeAspect="1"/>
+          </p:cNvSpPr>
+          <p:nvPr>
+            <p:ph type="sldImg"/>
+          </p:nvPr>
+        </p:nvSpPr>
+        <p:spPr/>
+      </p:sp>
+      <p:sp>
+        <p:nvSpPr>
+          <p:cNvPr id="3" name="Заметки 2"/>
+          <p:cNvSpPr>
+            <a:spLocks noGrp="1"/>
+          </p:cNvSpPr>
+          <p:nvPr>
+            <p:ph type="body" idx="1"/>
+          </p:nvPr>
+        </p:nvSpPr>
+        <p:spPr/>
+        <p:txBody>
+          <a:bodyPr/>
+          <a:lstStyle/>
+          <a:p>
+            <a:r>
+              <a:rPr lang="ru-RU" dirty="0" smtClean="0"/>
+              <a:t>Ну короче </a:t>
+            </a:r>
+            <a:r>
+              <a:rPr lang="ru-RU" dirty="0" err="1" smtClean="0"/>
+              <a:t>бенчмарки</a:t>
+            </a:r>
+            <a:r>
+              <a:rPr lang="ru-RU" dirty="0" smtClean="0"/>
+              <a:t> – тык по ссылке и погнали, встраивать их сюда нет смысла</a:t>
+            </a:r>
+            <a:endParaRPr lang="ru-RU" dirty="0"/>
+          </a:p>
+        </p:txBody>
+      </p:sp>
+      <p:sp>
+        <p:nvSpPr>
+          <p:cNvPr id="4" name="Номер слайда 3"/>
+          <p:cNvSpPr>
+            <a:spLocks noGrp="1"/>
+          </p:cNvSpPr>
+          <p:nvPr>
+            <p:ph type="sldNum" sz="quarter" idx="10"/>
+          </p:nvPr>
+        </p:nvSpPr>
+        <p:spPr/>
+        <p:txBody>
+          <a:bodyPr/>
+          <a:lstStyle/>
+          <a:p>
+            <a:fld id="{6742DBE5-22E8-49C6-9E16-7DF565CD21B8}" type="slidenum">
+              <a:rPr lang="ru-RU" smtClean="0"/>
+              <a:t>13</a:t>
+            </a:fld>
+            <a:endParaRPr lang="ru-RU"/>
+          </a:p>
+        </p:txBody>
+      </p:sp>
+    </p:spTree>
+    <p:extLst>
+      <p:ext uri="{BB962C8B-B14F-4D97-AF65-F5344CB8AC3E}">
+        <p14:creationId xmlns:p14="http://schemas.microsoft.com/office/powerpoint/2010/main" val="2695190522"/>
+      </p:ext>
+    </p:extLst>
+  </p:cSld>
+  <p:clrMapOvr>
+    <a:masterClrMapping/>
+  </p:clrMapOvr>
+</p:notes>
+</file>
+
+<file path=ppt/notesSlides/notesSlide11.xml><?xml version="1.0" encoding="utf-8"?>
+<p:notes xmlns:a="http://schemas.openxmlformats.org/drawingml/2006/main" xmlns:r="http://schemas.openxmlformats.org/officeDocument/2006/relationships" xmlns:p="http://schemas.openxmlformats.org/presentationml/2006/main">
+  <p:cSld>
+    <p:spTree>
+      <p:nvGrpSpPr>
+        <p:cNvPr id="1" name=""/>
+        <p:cNvGrpSpPr/>
+        <p:nvPr/>
+      </p:nvGrpSpPr>
+      <p:grpSpPr>
+        <a:xfrm>
+          <a:off x="0" y="0"/>
+          <a:ext cx="0" cy="0"/>
+          <a:chOff x="0" y="0"/>
+          <a:chExt cx="0" cy="0"/>
+        </a:xfrm>
+      </p:grpSpPr>
+      <p:sp>
+        <p:nvSpPr>
+          <p:cNvPr id="2" name="Образ слайда 1"/>
+          <p:cNvSpPr>
+            <a:spLocks noGrp="1" noRot="1" noChangeAspect="1"/>
+          </p:cNvSpPr>
+          <p:nvPr>
+            <p:ph type="sldImg"/>
+          </p:nvPr>
+        </p:nvSpPr>
+        <p:spPr/>
+      </p:sp>
+      <p:sp>
+        <p:nvSpPr>
+          <p:cNvPr id="3" name="Заметки 2"/>
+          <p:cNvSpPr>
+            <a:spLocks noGrp="1"/>
+          </p:cNvSpPr>
+          <p:nvPr>
+            <p:ph type="body" idx="1"/>
+          </p:nvPr>
+        </p:nvSpPr>
+        <p:spPr/>
+        <p:txBody>
+          <a:bodyPr/>
+          <a:lstStyle/>
+          <a:p>
+            <a:r>
+              <a:rPr lang="ru-RU" dirty="0" smtClean="0"/>
+              <a:t>поговорим</a:t>
+            </a:r>
+            <a:r>
+              <a:rPr lang="ru-RU" baseline="0" dirty="0" smtClean="0"/>
+              <a:t> о том, как и когда применять структуры</a:t>
+            </a:r>
+            <a:endParaRPr lang="ru-RU" dirty="0"/>
+          </a:p>
+        </p:txBody>
+      </p:sp>
+      <p:sp>
+        <p:nvSpPr>
+          <p:cNvPr id="4" name="Номер слайда 3"/>
+          <p:cNvSpPr>
+            <a:spLocks noGrp="1"/>
+          </p:cNvSpPr>
+          <p:nvPr>
+            <p:ph type="sldNum" sz="quarter" idx="10"/>
+          </p:nvPr>
+        </p:nvSpPr>
+        <p:spPr/>
+        <p:txBody>
+          <a:bodyPr/>
+          <a:lstStyle/>
+          <a:p>
+            <a:fld id="{6742DBE5-22E8-49C6-9E16-7DF565CD21B8}" type="slidenum">
+              <a:rPr lang="ru-RU" smtClean="0"/>
+              <a:t>14</a:t>
+            </a:fld>
+            <a:endParaRPr lang="ru-RU"/>
+          </a:p>
+        </p:txBody>
+      </p:sp>
+    </p:spTree>
+    <p:extLst>
+      <p:ext uri="{BB962C8B-B14F-4D97-AF65-F5344CB8AC3E}">
+        <p14:creationId xmlns:p14="http://schemas.microsoft.com/office/powerpoint/2010/main" val="3877408278"/>
+      </p:ext>
+    </p:extLst>
+  </p:cSld>
+  <p:clrMapOvr>
+    <a:masterClrMapping/>
+  </p:clrMapOvr>
+</p:notes>
+</file>
+
+<file path=ppt/notesSlides/notesSlide12.xml><?xml version="1.0" encoding="utf-8"?>
+<p:notes xmlns:a="http://schemas.openxmlformats.org/drawingml/2006/main" xmlns:r="http://schemas.openxmlformats.org/officeDocument/2006/relationships" xmlns:p="http://schemas.openxmlformats.org/presentationml/2006/main">
+  <p:cSld>
+    <p:spTree>
+      <p:nvGrpSpPr>
+        <p:cNvPr id="1" name=""/>
+        <p:cNvGrpSpPr/>
+        <p:nvPr/>
+      </p:nvGrpSpPr>
+      <p:grpSpPr>
+        <a:xfrm>
+          <a:off x="0" y="0"/>
+          <a:ext cx="0" cy="0"/>
+          <a:chOff x="0" y="0"/>
+          <a:chExt cx="0" cy="0"/>
+        </a:xfrm>
+      </p:grpSpPr>
+      <p:sp>
+        <p:nvSpPr>
+          <p:cNvPr id="2" name="Образ слайда 1"/>
+          <p:cNvSpPr>
+            <a:spLocks noGrp="1" noRot="1" noChangeAspect="1"/>
+          </p:cNvSpPr>
+          <p:nvPr>
+            <p:ph type="sldImg"/>
+          </p:nvPr>
+        </p:nvSpPr>
+        <p:spPr/>
+      </p:sp>
+      <p:sp>
+        <p:nvSpPr>
+          <p:cNvPr id="3" name="Заметки 2"/>
+          <p:cNvSpPr>
+            <a:spLocks noGrp="1"/>
+          </p:cNvSpPr>
+          <p:nvPr>
+            <p:ph type="body" idx="1"/>
+          </p:nvPr>
+        </p:nvSpPr>
+        <p:spPr/>
+        <p:txBody>
+          <a:bodyPr/>
+          <a:lstStyle/>
+          <a:p>
+            <a:r>
+              <a:rPr lang="ru-RU" dirty="0" smtClean="0"/>
+              <a:t>Дадим</a:t>
+            </a:r>
+            <a:r>
+              <a:rPr lang="ru-RU" baseline="0" dirty="0" smtClean="0"/>
+              <a:t> общие рекомендации, которые помогут избежать багов (в частности связанных с </a:t>
+            </a:r>
+            <a:r>
+              <a:rPr lang="en-US" baseline="0" dirty="0" smtClean="0"/>
+              <a:t>defensive copy)</a:t>
+            </a:r>
+            <a:r>
+              <a:rPr lang="ru-RU" baseline="0" dirty="0" smtClean="0"/>
+              <a:t> и сохранить производительность</a:t>
+            </a:r>
+            <a:endParaRPr lang="ru-RU" dirty="0"/>
+          </a:p>
+        </p:txBody>
+      </p:sp>
+      <p:sp>
+        <p:nvSpPr>
+          <p:cNvPr id="4" name="Номер слайда 3"/>
+          <p:cNvSpPr>
+            <a:spLocks noGrp="1"/>
+          </p:cNvSpPr>
+          <p:nvPr>
+            <p:ph type="sldNum" sz="quarter" idx="10"/>
+          </p:nvPr>
+        </p:nvSpPr>
+        <p:spPr/>
+        <p:txBody>
+          <a:bodyPr/>
+          <a:lstStyle/>
+          <a:p>
+            <a:fld id="{6742DBE5-22E8-49C6-9E16-7DF565CD21B8}" type="slidenum">
+              <a:rPr lang="ru-RU" smtClean="0"/>
+              <a:t>15</a:t>
+            </a:fld>
+            <a:endParaRPr lang="ru-RU"/>
+          </a:p>
+        </p:txBody>
+      </p:sp>
+    </p:spTree>
+    <p:extLst>
+      <p:ext uri="{BB962C8B-B14F-4D97-AF65-F5344CB8AC3E}">
+        <p14:creationId xmlns:p14="http://schemas.microsoft.com/office/powerpoint/2010/main" val="3603482428"/>
+      </p:ext>
+    </p:extLst>
+  </p:cSld>
+  <p:clrMapOvr>
+    <a:masterClrMapping/>
+  </p:clrMapOvr>
+</p:notes>
+</file>
+
+<file path=ppt/notesSlides/notesSlide13.xml><?xml version="1.0" encoding="utf-8"?>
+<p:notes xmlns:a="http://schemas.openxmlformats.org/drawingml/2006/main" xmlns:r="http://schemas.openxmlformats.org/officeDocument/2006/relationships" xmlns:p="http://schemas.openxmlformats.org/presentationml/2006/main">
+  <p:cSld>
+    <p:spTree>
+      <p:nvGrpSpPr>
+        <p:cNvPr id="1" name=""/>
+        <p:cNvGrpSpPr/>
+        <p:nvPr/>
+      </p:nvGrpSpPr>
+      <p:grpSpPr>
+        <a:xfrm>
+          <a:off x="0" y="0"/>
+          <a:ext cx="0" cy="0"/>
+          <a:chOff x="0" y="0"/>
+          <a:chExt cx="0" cy="0"/>
+        </a:xfrm>
+      </p:grpSpPr>
+      <p:sp>
+        <p:nvSpPr>
+          <p:cNvPr id="2" name="Образ слайда 1"/>
+          <p:cNvSpPr>
+            <a:spLocks noGrp="1" noRot="1" noChangeAspect="1"/>
+          </p:cNvSpPr>
+          <p:nvPr>
+            <p:ph type="sldImg"/>
+          </p:nvPr>
+        </p:nvSpPr>
+        <p:spPr/>
+      </p:sp>
+      <p:sp>
+        <p:nvSpPr>
+          <p:cNvPr id="3" name="Заметки 2"/>
+          <p:cNvSpPr>
+            <a:spLocks noGrp="1"/>
+          </p:cNvSpPr>
+          <p:nvPr>
+            <p:ph type="body" idx="1"/>
+          </p:nvPr>
+        </p:nvSpPr>
+        <p:spPr/>
+        <p:txBody>
+          <a:bodyPr/>
+          <a:lstStyle/>
+          <a:p>
+            <a:r>
+              <a:rPr lang="ru-RU" dirty="0" smtClean="0"/>
+              <a:t>Примеры,</a:t>
+            </a:r>
+            <a:r>
+              <a:rPr lang="ru-RU" baseline="0" dirty="0" smtClean="0"/>
+              <a:t> когда структура точно хорошо подойдёт (можно открыть</a:t>
+            </a:r>
+            <a:r>
+              <a:rPr lang="en-US" baseline="0" dirty="0" smtClean="0"/>
+              <a:t> Samples </a:t>
+            </a:r>
+            <a:r>
+              <a:rPr lang="ru-RU" baseline="0" dirty="0" smtClean="0"/>
+              <a:t>и поковыряться там) </a:t>
+            </a:r>
+          </a:p>
+          <a:p>
+            <a:r>
+              <a:rPr lang="en-US" baseline="0" dirty="0" smtClean="0"/>
+              <a:t>https://github.com/lightmg/dotnet-cheatsheet/tree/main/structs/code/Examples/CommonCases</a:t>
+            </a:r>
+            <a:endParaRPr lang="ru-RU" baseline="0" dirty="0" smtClean="0"/>
+          </a:p>
+        </p:txBody>
+      </p:sp>
+      <p:sp>
+        <p:nvSpPr>
+          <p:cNvPr id="4" name="Номер слайда 3"/>
+          <p:cNvSpPr>
+            <a:spLocks noGrp="1"/>
+          </p:cNvSpPr>
+          <p:nvPr>
+            <p:ph type="sldNum" sz="quarter" idx="10"/>
+          </p:nvPr>
+        </p:nvSpPr>
+        <p:spPr/>
+        <p:txBody>
+          <a:bodyPr/>
+          <a:lstStyle/>
+          <a:p>
+            <a:fld id="{6742DBE5-22E8-49C6-9E16-7DF565CD21B8}" type="slidenum">
+              <a:rPr lang="ru-RU" smtClean="0"/>
+              <a:t>16</a:t>
+            </a:fld>
+            <a:endParaRPr lang="ru-RU"/>
+          </a:p>
+        </p:txBody>
+      </p:sp>
+    </p:spTree>
+    <p:extLst>
+      <p:ext uri="{BB962C8B-B14F-4D97-AF65-F5344CB8AC3E}">
+        <p14:creationId xmlns:p14="http://schemas.microsoft.com/office/powerpoint/2010/main" val="3779479191"/>
+      </p:ext>
+    </p:extLst>
+  </p:cSld>
+  <p:clrMapOvr>
+    <a:masterClrMapping/>
+  </p:clrMapOvr>
+</p:notes>
+</file>
+
+<file path=ppt/notesSlides/notesSlide14.xml><?xml version="1.0" encoding="utf-8"?>
+<p:notes xmlns:a="http://schemas.openxmlformats.org/drawingml/2006/main" xmlns:r="http://schemas.openxmlformats.org/officeDocument/2006/relationships" xmlns:p="http://schemas.openxmlformats.org/presentationml/2006/main">
+  <p:cSld>
+    <p:spTree>
+      <p:nvGrpSpPr>
+        <p:cNvPr id="1" name=""/>
+        <p:cNvGrpSpPr/>
+        <p:nvPr/>
+      </p:nvGrpSpPr>
+      <p:grpSpPr>
+        <a:xfrm>
+          <a:off x="0" y="0"/>
+          <a:ext cx="0" cy="0"/>
+          <a:chOff x="0" y="0"/>
+          <a:chExt cx="0" cy="0"/>
+        </a:xfrm>
+      </p:grpSpPr>
+      <p:sp>
+        <p:nvSpPr>
+          <p:cNvPr id="2" name="Образ слайда 1"/>
+          <p:cNvSpPr>
+            <a:spLocks noGrp="1" noRot="1" noChangeAspect="1"/>
+          </p:cNvSpPr>
+          <p:nvPr>
+            <p:ph type="sldImg"/>
+          </p:nvPr>
+        </p:nvSpPr>
+        <p:spPr/>
+      </p:sp>
+      <p:sp>
+        <p:nvSpPr>
+          <p:cNvPr id="3" name="Заметки 2"/>
+          <p:cNvSpPr>
+            <a:spLocks noGrp="1"/>
+          </p:cNvSpPr>
+          <p:nvPr>
+            <p:ph type="body" idx="1"/>
+          </p:nvPr>
+        </p:nvSpPr>
+        <p:spPr/>
+        <p:txBody>
+          <a:bodyPr/>
+          <a:lstStyle/>
+          <a:p>
+            <a:r>
+              <a:rPr lang="ru-RU" dirty="0" smtClean="0"/>
+              <a:t>отдельно остановимся на примере,</a:t>
+            </a:r>
+            <a:r>
+              <a:rPr lang="ru-RU" baseline="0" dirty="0" smtClean="0"/>
+              <a:t> когда может возникать </a:t>
+            </a:r>
+            <a:r>
+              <a:rPr lang="en-US" baseline="0" dirty="0" smtClean="0"/>
+              <a:t>defensive copy</a:t>
+            </a:r>
+            <a:endParaRPr lang="ru-RU" dirty="0"/>
+          </a:p>
+        </p:txBody>
+      </p:sp>
+      <p:sp>
+        <p:nvSpPr>
+          <p:cNvPr id="4" name="Номер слайда 3"/>
+          <p:cNvSpPr>
+            <a:spLocks noGrp="1"/>
+          </p:cNvSpPr>
+          <p:nvPr>
+            <p:ph type="sldNum" sz="quarter" idx="10"/>
+          </p:nvPr>
+        </p:nvSpPr>
+        <p:spPr/>
+        <p:txBody>
+          <a:bodyPr/>
+          <a:lstStyle/>
+          <a:p>
+            <a:fld id="{6742DBE5-22E8-49C6-9E16-7DF565CD21B8}" type="slidenum">
+              <a:rPr lang="ru-RU" smtClean="0"/>
+              <a:t>17</a:t>
+            </a:fld>
+            <a:endParaRPr lang="ru-RU"/>
+          </a:p>
+        </p:txBody>
+      </p:sp>
+    </p:spTree>
+    <p:extLst>
+      <p:ext uri="{BB962C8B-B14F-4D97-AF65-F5344CB8AC3E}">
+        <p14:creationId xmlns:p14="http://schemas.microsoft.com/office/powerpoint/2010/main" val="2871689006"/>
+      </p:ext>
+    </p:extLst>
+  </p:cSld>
+  <p:clrMapOvr>
+    <a:masterClrMapping/>
+  </p:clrMapOvr>
+</p:notes>
+</file>
+
+<file path=ppt/notesSlides/notesSlide15.xml><?xml version="1.0" encoding="utf-8"?>
+<p:notes xmlns:a="http://schemas.openxmlformats.org/drawingml/2006/main" xmlns:r="http://schemas.openxmlformats.org/officeDocument/2006/relationships" xmlns:p="http://schemas.openxmlformats.org/presentationml/2006/main">
+  <p:cSld>
+    <p:spTree>
+      <p:nvGrpSpPr>
+        <p:cNvPr id="1" name=""/>
+        <p:cNvGrpSpPr/>
+        <p:nvPr/>
+      </p:nvGrpSpPr>
+      <p:grpSpPr>
+        <a:xfrm>
+          <a:off x="0" y="0"/>
+          <a:ext cx="0" cy="0"/>
+          <a:chOff x="0" y="0"/>
+          <a:chExt cx="0" cy="0"/>
+        </a:xfrm>
+      </p:grpSpPr>
+      <p:sp>
+        <p:nvSpPr>
+          <p:cNvPr id="2" name="Образ слайда 1"/>
+          <p:cNvSpPr>
+            <a:spLocks noGrp="1" noRot="1" noChangeAspect="1"/>
+          </p:cNvSpPr>
+          <p:nvPr>
+            <p:ph type="sldImg"/>
+          </p:nvPr>
+        </p:nvSpPr>
+        <p:spPr/>
+      </p:sp>
+      <p:sp>
+        <p:nvSpPr>
+          <p:cNvPr id="3" name="Заметки 2"/>
+          <p:cNvSpPr>
+            <a:spLocks noGrp="1"/>
+          </p:cNvSpPr>
+          <p:nvPr>
+            <p:ph type="body" idx="1"/>
+          </p:nvPr>
+        </p:nvSpPr>
+        <p:spPr/>
+        <p:txBody>
+          <a:bodyPr/>
+          <a:lstStyle/>
+          <a:p>
+            <a:r>
+              <a:rPr lang="ru-RU" dirty="0" smtClean="0"/>
+              <a:t>ну тут </a:t>
+            </a:r>
+            <a:r>
+              <a:rPr lang="ru-RU" dirty="0" err="1" smtClean="0"/>
+              <a:t>фичи</a:t>
+            </a:r>
+            <a:r>
+              <a:rPr lang="ru-RU" baseline="0" dirty="0" smtClean="0"/>
+              <a:t> </a:t>
+            </a:r>
+            <a:r>
+              <a:rPr lang="en-US" baseline="0" dirty="0" smtClean="0"/>
+              <a:t>.NET 6 </a:t>
+            </a:r>
+            <a:r>
+              <a:rPr lang="ru-RU" baseline="0" dirty="0" smtClean="0"/>
+              <a:t>и </a:t>
+            </a:r>
+            <a:r>
+              <a:rPr lang="en-US" baseline="0" dirty="0" smtClean="0"/>
+              <a:t>C# 10</a:t>
+            </a:r>
+            <a:r>
+              <a:rPr lang="ru-RU" baseline="0" dirty="0" smtClean="0"/>
+              <a:t>, ну да</a:t>
+            </a:r>
+            <a:endParaRPr lang="ru-RU" dirty="0"/>
+          </a:p>
+        </p:txBody>
+      </p:sp>
+      <p:sp>
+        <p:nvSpPr>
+          <p:cNvPr id="4" name="Номер слайда 3"/>
+          <p:cNvSpPr>
+            <a:spLocks noGrp="1"/>
+          </p:cNvSpPr>
+          <p:nvPr>
+            <p:ph type="sldNum" sz="quarter" idx="10"/>
+          </p:nvPr>
+        </p:nvSpPr>
+        <p:spPr/>
+        <p:txBody>
+          <a:bodyPr/>
+          <a:lstStyle/>
+          <a:p>
+            <a:fld id="{6742DBE5-22E8-49C6-9E16-7DF565CD21B8}" type="slidenum">
+              <a:rPr lang="ru-RU" smtClean="0"/>
+              <a:t>18</a:t>
+            </a:fld>
+            <a:endParaRPr lang="ru-RU"/>
+          </a:p>
+        </p:txBody>
+      </p:sp>
+    </p:spTree>
+    <p:extLst>
+      <p:ext uri="{BB962C8B-B14F-4D97-AF65-F5344CB8AC3E}">
+        <p14:creationId xmlns:p14="http://schemas.microsoft.com/office/powerpoint/2010/main" val="4091931269"/>
+      </p:ext>
+    </p:extLst>
+  </p:cSld>
+  <p:clrMapOvr>
+    <a:masterClrMapping/>
+  </p:clrMapOvr>
+</p:notes>
+</file>
+
+<file path=ppt/notesSlides/notesSlide2.xml><?xml version="1.0" encoding="utf-8"?>
+<p:notes xmlns:a="http://schemas.openxmlformats.org/drawingml/2006/main" xmlns:r="http://schemas.openxmlformats.org/officeDocument/2006/relationships" xmlns:p="http://schemas.openxmlformats.org/presentationml/2006/main">
+  <p:cSld>
+    <p:spTree>
+      <p:nvGrpSpPr>
+        <p:cNvPr id="1" name=""/>
+        <p:cNvGrpSpPr/>
+        <p:nvPr/>
+      </p:nvGrpSpPr>
+      <p:grpSpPr>
+        <a:xfrm>
+          <a:off x="0" y="0"/>
+          <a:ext cx="0" cy="0"/>
+          <a:chOff x="0" y="0"/>
+          <a:chExt cx="0" cy="0"/>
+        </a:xfrm>
+      </p:grpSpPr>
+      <p:sp>
+        <p:nvSpPr>
+          <p:cNvPr id="2" name="Образ слайда 1"/>
+          <p:cNvSpPr>
+            <a:spLocks noGrp="1" noRot="1" noChangeAspect="1"/>
+          </p:cNvSpPr>
+          <p:nvPr>
+            <p:ph type="sldImg"/>
+          </p:nvPr>
+        </p:nvSpPr>
+        <p:spPr/>
+      </p:sp>
+      <p:sp>
+        <p:nvSpPr>
+          <p:cNvPr id="3" name="Заметки 2"/>
+          <p:cNvSpPr>
+            <a:spLocks noGrp="1"/>
+          </p:cNvSpPr>
+          <p:nvPr>
+            <p:ph type="body" idx="1"/>
+          </p:nvPr>
+        </p:nvSpPr>
+        <p:spPr/>
+        <p:txBody>
+          <a:bodyPr/>
+          <a:lstStyle/>
+          <a:p>
+            <a:r>
+              <a:rPr lang="ru-RU" dirty="0" smtClean="0"/>
+              <a:t>Структура,</a:t>
+            </a:r>
+            <a:r>
+              <a:rPr lang="ru-RU" baseline="0" dirty="0" smtClean="0"/>
+              <a:t> в отличие от класса, передается по значению</a:t>
+            </a:r>
+            <a:br>
+              <a:rPr lang="ru-RU" baseline="0" dirty="0" smtClean="0"/>
+            </a:br>
+            <a:r>
+              <a:rPr lang="ru-RU" baseline="0" dirty="0" smtClean="0"/>
+              <a:t>По умолчанию структура размещается по месту, т.е. для методов – на стеке, а если как член типа – то там же, где и родитель</a:t>
+            </a:r>
+          </a:p>
+        </p:txBody>
+      </p:sp>
+      <p:sp>
+        <p:nvSpPr>
+          <p:cNvPr id="4" name="Номер слайда 3"/>
+          <p:cNvSpPr>
+            <a:spLocks noGrp="1"/>
+          </p:cNvSpPr>
+          <p:nvPr>
+            <p:ph type="sldNum" sz="quarter" idx="10"/>
+          </p:nvPr>
+        </p:nvSpPr>
+        <p:spPr/>
+        <p:txBody>
+          <a:bodyPr/>
+          <a:lstStyle/>
+          <a:p>
+            <a:fld id="{6742DBE5-22E8-49C6-9E16-7DF565CD21B8}" type="slidenum">
+              <a:rPr lang="ru-RU" smtClean="0"/>
+              <a:t>2</a:t>
+            </a:fld>
+            <a:endParaRPr lang="ru-RU"/>
+          </a:p>
+        </p:txBody>
+      </p:sp>
+    </p:spTree>
+    <p:extLst>
+      <p:ext uri="{BB962C8B-B14F-4D97-AF65-F5344CB8AC3E}">
+        <p14:creationId xmlns:p14="http://schemas.microsoft.com/office/powerpoint/2010/main" val="3262529840"/>
+      </p:ext>
+    </p:extLst>
+  </p:cSld>
+  <p:clrMapOvr>
+    <a:masterClrMapping/>
+  </p:clrMapOvr>
+</p:notes>
+</file>
+
+<file path=ppt/notesSlides/notesSlide3.xml><?xml version="1.0" encoding="utf-8"?>
+<p:notes xmlns:a="http://schemas.openxmlformats.org/drawingml/2006/main" xmlns:r="http://schemas.openxmlformats.org/officeDocument/2006/relationships" xmlns:p="http://schemas.openxmlformats.org/presentationml/2006/main">
+  <p:cSld>
+    <p:spTree>
+      <p:nvGrpSpPr>
+        <p:cNvPr id="1" name=""/>
+        <p:cNvGrpSpPr/>
+        <p:nvPr/>
+      </p:nvGrpSpPr>
+      <p:grpSpPr>
+        <a:xfrm>
+          <a:off x="0" y="0"/>
+          <a:ext cx="0" cy="0"/>
+          <a:chOff x="0" y="0"/>
+          <a:chExt cx="0" cy="0"/>
+        </a:xfrm>
+      </p:grpSpPr>
+      <p:sp>
+        <p:nvSpPr>
+          <p:cNvPr id="2" name="Образ слайда 1"/>
+          <p:cNvSpPr>
+            <a:spLocks noGrp="1" noRot="1" noChangeAspect="1"/>
+          </p:cNvSpPr>
+          <p:nvPr>
+            <p:ph type="sldImg"/>
+          </p:nvPr>
+        </p:nvSpPr>
+        <p:spPr/>
+      </p:sp>
+      <p:sp>
+        <p:nvSpPr>
+          <p:cNvPr id="3" name="Заметки 2"/>
+          <p:cNvSpPr>
+            <a:spLocks noGrp="1"/>
+          </p:cNvSpPr>
+          <p:nvPr>
+            <p:ph type="body" idx="1"/>
+          </p:nvPr>
+        </p:nvSpPr>
+        <p:spPr/>
+        <p:txBody>
+          <a:bodyPr/>
+          <a:lstStyle/>
+          <a:p>
+            <a:r>
+              <a:rPr lang="ru-RU" dirty="0" smtClean="0"/>
+              <a:t>Помечает</a:t>
+            </a:r>
+            <a:r>
+              <a:rPr lang="ru-RU" baseline="0" dirty="0" smtClean="0"/>
+              <a:t> структуру как неизменяемую</a:t>
+            </a:r>
+            <a:br>
+              <a:rPr lang="ru-RU" baseline="0" dirty="0" smtClean="0"/>
+            </a:br>
+            <a:r>
+              <a:rPr lang="ru-RU" baseline="0" dirty="0" smtClean="0"/>
+              <a:t>Это накладывает определенные ограничения – члены структуры не могут быть изменены: поля обязаны быть </a:t>
+            </a:r>
+            <a:r>
+              <a:rPr lang="en-US" baseline="0" dirty="0" smtClean="0"/>
+              <a:t>readonly</a:t>
+            </a:r>
+            <a:r>
+              <a:rPr lang="ru-RU" baseline="0" dirty="0" smtClean="0"/>
+              <a:t>, а свойства не могу иметь </a:t>
+            </a:r>
+            <a:r>
+              <a:rPr lang="en-US" baseline="0" dirty="0" smtClean="0"/>
+              <a:t>set </a:t>
+            </a:r>
+            <a:r>
+              <a:rPr lang="en-US" baseline="0" dirty="0" err="1" smtClean="0"/>
+              <a:t>accessor</a:t>
+            </a:r>
+            <a:endParaRPr lang="ru-RU" dirty="0"/>
+          </a:p>
+        </p:txBody>
+      </p:sp>
+      <p:sp>
+        <p:nvSpPr>
+          <p:cNvPr id="4" name="Номер слайда 3"/>
+          <p:cNvSpPr>
+            <a:spLocks noGrp="1"/>
+          </p:cNvSpPr>
+          <p:nvPr>
+            <p:ph type="sldNum" sz="quarter" idx="10"/>
+          </p:nvPr>
+        </p:nvSpPr>
+        <p:spPr/>
+        <p:txBody>
+          <a:bodyPr/>
+          <a:lstStyle/>
+          <a:p>
+            <a:fld id="{6742DBE5-22E8-49C6-9E16-7DF565CD21B8}" type="slidenum">
+              <a:rPr lang="ru-RU" smtClean="0"/>
+              <a:t>4</a:t>
+            </a:fld>
+            <a:endParaRPr lang="ru-RU"/>
+          </a:p>
+        </p:txBody>
+      </p:sp>
+    </p:spTree>
+    <p:extLst>
+      <p:ext uri="{BB962C8B-B14F-4D97-AF65-F5344CB8AC3E}">
+        <p14:creationId xmlns:p14="http://schemas.microsoft.com/office/powerpoint/2010/main" val="1078817744"/>
+      </p:ext>
+    </p:extLst>
+  </p:cSld>
+  <p:clrMapOvr>
+    <a:masterClrMapping/>
+  </p:clrMapOvr>
+</p:notes>
+</file>
+
+<file path=ppt/notesSlides/notesSlide4.xml><?xml version="1.0" encoding="utf-8"?>
+<p:notes xmlns:a="http://schemas.openxmlformats.org/drawingml/2006/main" xmlns:r="http://schemas.openxmlformats.org/officeDocument/2006/relationships" xmlns:p="http://schemas.openxmlformats.org/presentationml/2006/main">
+  <p:cSld>
+    <p:spTree>
+      <p:nvGrpSpPr>
+        <p:cNvPr id="1" name=""/>
+        <p:cNvGrpSpPr/>
+        <p:nvPr/>
+      </p:nvGrpSpPr>
+      <p:grpSpPr>
+        <a:xfrm>
+          <a:off x="0" y="0"/>
+          <a:ext cx="0" cy="0"/>
+          <a:chOff x="0" y="0"/>
+          <a:chExt cx="0" cy="0"/>
+        </a:xfrm>
+      </p:grpSpPr>
+      <p:sp>
+        <p:nvSpPr>
+          <p:cNvPr id="2" name="Образ слайда 1"/>
+          <p:cNvSpPr>
+            <a:spLocks noGrp="1" noRot="1" noChangeAspect="1"/>
+          </p:cNvSpPr>
+          <p:nvPr>
+            <p:ph type="sldImg"/>
+          </p:nvPr>
+        </p:nvSpPr>
+        <p:spPr/>
+      </p:sp>
+      <p:sp>
+        <p:nvSpPr>
+          <p:cNvPr id="3" name="Заметки 2"/>
+          <p:cNvSpPr>
+            <a:spLocks noGrp="1"/>
+          </p:cNvSpPr>
+          <p:nvPr>
+            <p:ph type="body" idx="1"/>
+          </p:nvPr>
+        </p:nvSpPr>
+        <p:spPr/>
+        <p:txBody>
+          <a:bodyPr/>
+          <a:lstStyle/>
+          <a:p>
+            <a:r>
+              <a:rPr lang="ru-RU" dirty="0" smtClean="0"/>
+              <a:t>Говорит компилятору что данная</a:t>
+            </a:r>
+            <a:r>
+              <a:rPr lang="ru-RU" baseline="0" dirty="0" smtClean="0"/>
+              <a:t> структура может быть размещена только в куче, что накладывает ряд ограничений</a:t>
+            </a:r>
+            <a:br>
+              <a:rPr lang="ru-RU" baseline="0" dirty="0" smtClean="0"/>
+            </a:br>
+            <a:r>
+              <a:rPr lang="ru-RU" baseline="0" dirty="0" smtClean="0"/>
+              <a:t>Бывает нужно в очень специфичных кейсах (например, </a:t>
+            </a:r>
+            <a:r>
+              <a:rPr lang="en-US" baseline="0" dirty="0" smtClean="0"/>
+              <a:t>Span&lt;&gt;)</a:t>
+            </a:r>
+            <a:r>
+              <a:rPr lang="ru-RU" baseline="0" dirty="0" smtClean="0"/>
+              <a:t>, и самому вряд ли придётся её определять</a:t>
+            </a:r>
+            <a:endParaRPr lang="ru-RU" dirty="0"/>
+          </a:p>
+        </p:txBody>
+      </p:sp>
+      <p:sp>
+        <p:nvSpPr>
+          <p:cNvPr id="4" name="Номер слайда 3"/>
+          <p:cNvSpPr>
+            <a:spLocks noGrp="1"/>
+          </p:cNvSpPr>
+          <p:nvPr>
+            <p:ph type="sldNum" sz="quarter" idx="10"/>
+          </p:nvPr>
+        </p:nvSpPr>
+        <p:spPr/>
+        <p:txBody>
+          <a:bodyPr/>
+          <a:lstStyle/>
+          <a:p>
+            <a:fld id="{6742DBE5-22E8-49C6-9E16-7DF565CD21B8}" type="slidenum">
+              <a:rPr lang="ru-RU" smtClean="0"/>
+              <a:t>5</a:t>
+            </a:fld>
+            <a:endParaRPr lang="ru-RU"/>
+          </a:p>
+        </p:txBody>
+      </p:sp>
+    </p:spTree>
+    <p:extLst>
+      <p:ext uri="{BB962C8B-B14F-4D97-AF65-F5344CB8AC3E}">
+        <p14:creationId xmlns:p14="http://schemas.microsoft.com/office/powerpoint/2010/main" val="619912185"/>
+      </p:ext>
+    </p:extLst>
+  </p:cSld>
+  <p:clrMapOvr>
+    <a:masterClrMapping/>
+  </p:clrMapOvr>
+</p:notes>
+</file>
+
+<file path=ppt/notesSlides/notesSlide5.xml><?xml version="1.0" encoding="utf-8"?>
+<p:notes xmlns:a="http://schemas.openxmlformats.org/drawingml/2006/main" xmlns:r="http://schemas.openxmlformats.org/officeDocument/2006/relationships" xmlns:p="http://schemas.openxmlformats.org/presentationml/2006/main">
+  <p:cSld>
+    <p:spTree>
+      <p:nvGrpSpPr>
+        <p:cNvPr id="1" name=""/>
+        <p:cNvGrpSpPr/>
+        <p:nvPr/>
+      </p:nvGrpSpPr>
+      <p:grpSpPr>
+        <a:xfrm>
+          <a:off x="0" y="0"/>
+          <a:ext cx="0" cy="0"/>
+          <a:chOff x="0" y="0"/>
+          <a:chExt cx="0" cy="0"/>
+        </a:xfrm>
+      </p:grpSpPr>
+      <p:sp>
+        <p:nvSpPr>
+          <p:cNvPr id="2" name="Образ слайда 1"/>
+          <p:cNvSpPr>
+            <a:spLocks noGrp="1" noRot="1" noChangeAspect="1"/>
+          </p:cNvSpPr>
+          <p:nvPr>
+            <p:ph type="sldImg"/>
+          </p:nvPr>
+        </p:nvSpPr>
+        <p:spPr/>
+      </p:sp>
+      <p:sp>
+        <p:nvSpPr>
+          <p:cNvPr id="3" name="Заметки 2"/>
+          <p:cNvSpPr>
+            <a:spLocks noGrp="1"/>
+          </p:cNvSpPr>
+          <p:nvPr>
+            <p:ph type="body" idx="1"/>
+          </p:nvPr>
+        </p:nvSpPr>
+        <p:spPr/>
+        <p:txBody>
+          <a:bodyPr/>
+          <a:lstStyle/>
+          <a:p>
+            <a:r>
+              <a:rPr lang="ru-RU" dirty="0" smtClean="0"/>
+              <a:t>Говорит</a:t>
+            </a:r>
+            <a:r>
+              <a:rPr lang="ru-RU" baseline="0" dirty="0" smtClean="0"/>
+              <a:t> что вместо самого значения следует передать ссылку на исходное значение. </a:t>
+            </a:r>
+            <a:br>
+              <a:rPr lang="ru-RU" baseline="0" dirty="0" smtClean="0"/>
+            </a:br>
+            <a:r>
+              <a:rPr lang="ru-RU" baseline="0" dirty="0" smtClean="0"/>
+              <a:t>Может быть применено к параметрам, возвращаемым значениям, свойствам и локальным переменным.</a:t>
+            </a:r>
+            <a:br>
+              <a:rPr lang="ru-RU" baseline="0" dirty="0" smtClean="0"/>
+            </a:br>
+            <a:r>
+              <a:rPr lang="ru-RU" baseline="0" dirty="0" smtClean="0"/>
+              <a:t>Структуры начинают вести себя как классы</a:t>
+            </a:r>
+            <a:endParaRPr lang="ru-RU" dirty="0"/>
+          </a:p>
+        </p:txBody>
+      </p:sp>
+      <p:sp>
+        <p:nvSpPr>
+          <p:cNvPr id="4" name="Номер слайда 3"/>
+          <p:cNvSpPr>
+            <a:spLocks noGrp="1"/>
+          </p:cNvSpPr>
+          <p:nvPr>
+            <p:ph type="sldNum" sz="quarter" idx="10"/>
+          </p:nvPr>
+        </p:nvSpPr>
+        <p:spPr/>
+        <p:txBody>
+          <a:bodyPr/>
+          <a:lstStyle/>
+          <a:p>
+            <a:fld id="{6742DBE5-22E8-49C6-9E16-7DF565CD21B8}" type="slidenum">
+              <a:rPr lang="ru-RU" smtClean="0"/>
+              <a:t>7</a:t>
+            </a:fld>
+            <a:endParaRPr lang="ru-RU"/>
+          </a:p>
+        </p:txBody>
+      </p:sp>
+    </p:spTree>
+    <p:extLst>
+      <p:ext uri="{BB962C8B-B14F-4D97-AF65-F5344CB8AC3E}">
+        <p14:creationId xmlns:p14="http://schemas.microsoft.com/office/powerpoint/2010/main" val="1229201474"/>
+      </p:ext>
+    </p:extLst>
+  </p:cSld>
+  <p:clrMapOvr>
+    <a:masterClrMapping/>
+  </p:clrMapOvr>
+</p:notes>
+</file>
+
+<file path=ppt/notesSlides/notesSlide6.xml><?xml version="1.0" encoding="utf-8"?>
+<p:notes xmlns:a="http://schemas.openxmlformats.org/drawingml/2006/main" xmlns:r="http://schemas.openxmlformats.org/officeDocument/2006/relationships" xmlns:p="http://schemas.openxmlformats.org/presentationml/2006/main">
+  <p:cSld>
+    <p:spTree>
+      <p:nvGrpSpPr>
+        <p:cNvPr id="1" name=""/>
+        <p:cNvGrpSpPr/>
+        <p:nvPr/>
+      </p:nvGrpSpPr>
+      <p:grpSpPr>
+        <a:xfrm>
+          <a:off x="0" y="0"/>
+          <a:ext cx="0" cy="0"/>
+          <a:chOff x="0" y="0"/>
+          <a:chExt cx="0" cy="0"/>
+        </a:xfrm>
+      </p:grpSpPr>
+      <p:sp>
+        <p:nvSpPr>
+          <p:cNvPr id="2" name="Образ слайда 1"/>
+          <p:cNvSpPr>
+            <a:spLocks noGrp="1" noRot="1" noChangeAspect="1"/>
+          </p:cNvSpPr>
+          <p:nvPr>
+            <p:ph type="sldImg"/>
+          </p:nvPr>
+        </p:nvSpPr>
+        <p:spPr/>
+      </p:sp>
+      <p:sp>
+        <p:nvSpPr>
+          <p:cNvPr id="3" name="Заметки 2"/>
+          <p:cNvSpPr>
+            <a:spLocks noGrp="1"/>
+          </p:cNvSpPr>
+          <p:nvPr>
+            <p:ph type="body" idx="1"/>
+          </p:nvPr>
+        </p:nvSpPr>
+        <p:spPr/>
+        <p:txBody>
+          <a:bodyPr/>
+          <a:lstStyle/>
+          <a:p>
+            <a:r>
+              <a:rPr lang="ru-RU" dirty="0" smtClean="0"/>
+              <a:t>Под капотом</a:t>
+            </a:r>
+            <a:r>
+              <a:rPr lang="ru-RU" baseline="0" dirty="0" smtClean="0"/>
+              <a:t> это </a:t>
+            </a:r>
+            <a:r>
+              <a:rPr lang="en-US" baseline="0" dirty="0" smtClean="0"/>
+              <a:t>ref, </a:t>
+            </a:r>
+            <a:r>
+              <a:rPr lang="ru-RU" baseline="0" dirty="0" smtClean="0"/>
+              <a:t>но </a:t>
+            </a:r>
+            <a:r>
+              <a:rPr lang="en-US" baseline="0" dirty="0" smtClean="0"/>
+              <a:t>C# </a:t>
+            </a:r>
+            <a:r>
+              <a:rPr lang="ru-RU" baseline="0" dirty="0" smtClean="0"/>
+              <a:t>компилятор дополнительно проверяет что нигде в теле метода не происходит изменения исходного значения</a:t>
+            </a:r>
+            <a:br>
+              <a:rPr lang="ru-RU" baseline="0" dirty="0" smtClean="0"/>
+            </a:br>
+            <a:r>
+              <a:rPr lang="ru-RU" baseline="0" dirty="0" smtClean="0"/>
+              <a:t>По сути, ведет себя как </a:t>
+            </a:r>
+            <a:r>
+              <a:rPr lang="en-US" baseline="0" dirty="0" smtClean="0"/>
+              <a:t>readonly field</a:t>
+            </a:r>
+            <a:endParaRPr lang="ru-RU" dirty="0"/>
+          </a:p>
+        </p:txBody>
+      </p:sp>
+      <p:sp>
+        <p:nvSpPr>
+          <p:cNvPr id="4" name="Номер слайда 3"/>
+          <p:cNvSpPr>
+            <a:spLocks noGrp="1"/>
+          </p:cNvSpPr>
+          <p:nvPr>
+            <p:ph type="sldNum" sz="quarter" idx="10"/>
+          </p:nvPr>
+        </p:nvSpPr>
+        <p:spPr/>
+        <p:txBody>
+          <a:bodyPr/>
+          <a:lstStyle/>
+          <a:p>
+            <a:fld id="{6742DBE5-22E8-49C6-9E16-7DF565CD21B8}" type="slidenum">
+              <a:rPr lang="ru-RU" smtClean="0"/>
+              <a:t>8</a:t>
+            </a:fld>
+            <a:endParaRPr lang="ru-RU"/>
+          </a:p>
+        </p:txBody>
+      </p:sp>
+    </p:spTree>
+    <p:extLst>
+      <p:ext uri="{BB962C8B-B14F-4D97-AF65-F5344CB8AC3E}">
+        <p14:creationId xmlns:p14="http://schemas.microsoft.com/office/powerpoint/2010/main" val="1601379938"/>
+      </p:ext>
+    </p:extLst>
+  </p:cSld>
+  <p:clrMapOvr>
+    <a:masterClrMapping/>
+  </p:clrMapOvr>
+</p:notes>
+</file>
+
+<file path=ppt/notesSlides/notesSlide7.xml><?xml version="1.0" encoding="utf-8"?>
+<p:notes xmlns:a="http://schemas.openxmlformats.org/drawingml/2006/main" xmlns:r="http://schemas.openxmlformats.org/officeDocument/2006/relationships" xmlns:p="http://schemas.openxmlformats.org/presentationml/2006/main">
+  <p:cSld>
+    <p:spTree>
+      <p:nvGrpSpPr>
+        <p:cNvPr id="1" name=""/>
+        <p:cNvGrpSpPr/>
+        <p:nvPr/>
+      </p:nvGrpSpPr>
+      <p:grpSpPr>
+        <a:xfrm>
+          <a:off x="0" y="0"/>
+          <a:ext cx="0" cy="0"/>
+          <a:chOff x="0" y="0"/>
+          <a:chExt cx="0" cy="0"/>
+        </a:xfrm>
+      </p:grpSpPr>
+      <p:sp>
+        <p:nvSpPr>
+          <p:cNvPr id="2" name="Образ слайда 1"/>
+          <p:cNvSpPr>
+            <a:spLocks noGrp="1" noRot="1" noChangeAspect="1"/>
+          </p:cNvSpPr>
+          <p:nvPr>
+            <p:ph type="sldImg"/>
+          </p:nvPr>
+        </p:nvSpPr>
+        <p:spPr/>
+      </p:sp>
+      <p:sp>
+        <p:nvSpPr>
+          <p:cNvPr id="3" name="Заметки 2"/>
+          <p:cNvSpPr>
+            <a:spLocks noGrp="1"/>
+          </p:cNvSpPr>
+          <p:nvPr>
+            <p:ph type="body" idx="1"/>
+          </p:nvPr>
+        </p:nvSpPr>
+        <p:spPr/>
+        <p:txBody>
+          <a:bodyPr/>
+          <a:lstStyle/>
+          <a:p>
+            <a:r>
+              <a:rPr lang="ru-RU" dirty="0" smtClean="0"/>
+              <a:t>При создании структуры </a:t>
+            </a:r>
+            <a:r>
+              <a:rPr lang="en-US" dirty="0" smtClean="0"/>
+              <a:t>GC </a:t>
+            </a:r>
+            <a:r>
+              <a:rPr lang="ru-RU" dirty="0" smtClean="0"/>
+              <a:t>не</a:t>
+            </a:r>
+            <a:r>
+              <a:rPr lang="ru-RU" baseline="0" dirty="0" smtClean="0"/>
+              <a:t> нужно выделять место в куче</a:t>
+            </a:r>
+            <a:br>
+              <a:rPr lang="ru-RU" baseline="0" dirty="0" smtClean="0"/>
+            </a:br>
+            <a:r>
+              <a:rPr lang="ru-RU" baseline="0" dirty="0" smtClean="0"/>
+              <a:t>Структуры хранятся «по месту», поэтому они не собираются </a:t>
+            </a:r>
+            <a:r>
+              <a:rPr lang="en-US" baseline="0" dirty="0" smtClean="0"/>
+              <a:t>GC</a:t>
+            </a:r>
+            <a:r>
+              <a:rPr lang="ru-RU" baseline="0" dirty="0" smtClean="0"/>
+              <a:t/>
+            </a:r>
+            <a:br>
+              <a:rPr lang="ru-RU" baseline="0" dirty="0" smtClean="0"/>
+            </a:br>
+            <a:r>
+              <a:rPr lang="ru-RU" baseline="0" dirty="0" smtClean="0"/>
+              <a:t>Не нужно выполнять дефрагментацию памяти</a:t>
+            </a:r>
+            <a:endParaRPr lang="ru-RU" dirty="0"/>
+          </a:p>
+        </p:txBody>
+      </p:sp>
+      <p:sp>
+        <p:nvSpPr>
+          <p:cNvPr id="4" name="Номер слайда 3"/>
+          <p:cNvSpPr>
+            <a:spLocks noGrp="1"/>
+          </p:cNvSpPr>
+          <p:nvPr>
+            <p:ph type="sldNum" sz="quarter" idx="10"/>
+          </p:nvPr>
+        </p:nvSpPr>
+        <p:spPr/>
+        <p:txBody>
+          <a:bodyPr/>
+          <a:lstStyle/>
+          <a:p>
+            <a:fld id="{6742DBE5-22E8-49C6-9E16-7DF565CD21B8}" type="slidenum">
+              <a:rPr lang="ru-RU" smtClean="0"/>
+              <a:t>10</a:t>
+            </a:fld>
+            <a:endParaRPr lang="ru-RU"/>
+          </a:p>
+        </p:txBody>
+      </p:sp>
+    </p:spTree>
+    <p:extLst>
+      <p:ext uri="{BB962C8B-B14F-4D97-AF65-F5344CB8AC3E}">
+        <p14:creationId xmlns:p14="http://schemas.microsoft.com/office/powerpoint/2010/main" val="1479655324"/>
+      </p:ext>
+    </p:extLst>
+  </p:cSld>
+  <p:clrMapOvr>
+    <a:masterClrMapping/>
+  </p:clrMapOvr>
+</p:notes>
+</file>
+
+<file path=ppt/notesSlides/notesSlide8.xml><?xml version="1.0" encoding="utf-8"?>
+<p:notes xmlns:a="http://schemas.openxmlformats.org/drawingml/2006/main" xmlns:r="http://schemas.openxmlformats.org/officeDocument/2006/relationships" xmlns:p="http://schemas.openxmlformats.org/presentationml/2006/main">
+  <p:cSld>
+    <p:spTree>
+      <p:nvGrpSpPr>
+        <p:cNvPr id="1" name=""/>
+        <p:cNvGrpSpPr/>
+        <p:nvPr/>
+      </p:nvGrpSpPr>
+      <p:grpSpPr>
+        <a:xfrm>
+          <a:off x="0" y="0"/>
+          <a:ext cx="0" cy="0"/>
+          <a:chOff x="0" y="0"/>
+          <a:chExt cx="0" cy="0"/>
+        </a:xfrm>
+      </p:grpSpPr>
+      <p:sp>
+        <p:nvSpPr>
+          <p:cNvPr id="2" name="Образ слайда 1"/>
+          <p:cNvSpPr>
+            <a:spLocks noGrp="1" noRot="1" noChangeAspect="1"/>
+          </p:cNvSpPr>
+          <p:nvPr>
+            <p:ph type="sldImg"/>
+          </p:nvPr>
+        </p:nvSpPr>
+        <p:spPr/>
+      </p:sp>
+      <p:sp>
+        <p:nvSpPr>
+          <p:cNvPr id="3" name="Заметки 2"/>
+          <p:cNvSpPr>
+            <a:spLocks noGrp="1"/>
+          </p:cNvSpPr>
+          <p:nvPr>
+            <p:ph type="body" idx="1"/>
+          </p:nvPr>
+        </p:nvSpPr>
+        <p:spPr/>
+        <p:txBody>
+          <a:bodyPr/>
+          <a:lstStyle/>
+          <a:p>
+            <a:r>
+              <a:rPr lang="ru-RU" dirty="0" smtClean="0"/>
+              <a:t>Копирование памяти – пусть и дешёвая,</a:t>
+            </a:r>
+            <a:r>
+              <a:rPr lang="ru-RU" baseline="0" dirty="0" smtClean="0"/>
+              <a:t> но не бесплатная операция</a:t>
+            </a:r>
+            <a:br>
+              <a:rPr lang="ru-RU" baseline="0" dirty="0" smtClean="0"/>
+            </a:br>
+            <a:r>
+              <a:rPr lang="ru-RU" baseline="0" dirty="0" smtClean="0"/>
+              <a:t>Т.к. структуры – </a:t>
+            </a:r>
+            <a:r>
+              <a:rPr lang="en-US" baseline="0" dirty="0" smtClean="0"/>
+              <a:t>value type, </a:t>
+            </a:r>
+            <a:r>
+              <a:rPr lang="ru-RU" baseline="0" dirty="0" smtClean="0"/>
+              <a:t>то время копирования прямо пропорционально размеру структуры</a:t>
+            </a:r>
+            <a:br>
+              <a:rPr lang="ru-RU" baseline="0" dirty="0" smtClean="0"/>
+            </a:br>
+            <a:r>
+              <a:rPr lang="ru-RU" baseline="0" dirty="0" smtClean="0"/>
+              <a:t>Если структура малая – можно безболезненно её передавать, но для больших крайне желательно использовать </a:t>
+            </a:r>
+            <a:r>
+              <a:rPr lang="en-US" baseline="0" dirty="0" smtClean="0"/>
+              <a:t>ref/in</a:t>
+            </a:r>
+            <a:endParaRPr lang="ru-RU" dirty="0"/>
+          </a:p>
+        </p:txBody>
+      </p:sp>
+      <p:sp>
+        <p:nvSpPr>
+          <p:cNvPr id="4" name="Номер слайда 3"/>
+          <p:cNvSpPr>
+            <a:spLocks noGrp="1"/>
+          </p:cNvSpPr>
+          <p:nvPr>
+            <p:ph type="sldNum" sz="quarter" idx="10"/>
+          </p:nvPr>
+        </p:nvSpPr>
+        <p:spPr/>
+        <p:txBody>
+          <a:bodyPr/>
+          <a:lstStyle/>
+          <a:p>
+            <a:fld id="{6742DBE5-22E8-49C6-9E16-7DF565CD21B8}" type="slidenum">
+              <a:rPr lang="ru-RU" smtClean="0"/>
+              <a:t>11</a:t>
+            </a:fld>
+            <a:endParaRPr lang="ru-RU"/>
+          </a:p>
+        </p:txBody>
+      </p:sp>
+    </p:spTree>
+    <p:extLst>
+      <p:ext uri="{BB962C8B-B14F-4D97-AF65-F5344CB8AC3E}">
+        <p14:creationId xmlns:p14="http://schemas.microsoft.com/office/powerpoint/2010/main" val="553575088"/>
+      </p:ext>
+    </p:extLst>
+  </p:cSld>
+  <p:clrMapOvr>
+    <a:masterClrMapping/>
+  </p:clrMapOvr>
+</p:notes>
+</file>
+
+<file path=ppt/notesSlides/notesSlide9.xml><?xml version="1.0" encoding="utf-8"?>
+<p:notes xmlns:a="http://schemas.openxmlformats.org/drawingml/2006/main" xmlns:r="http://schemas.openxmlformats.org/officeDocument/2006/relationships" xmlns:p="http://schemas.openxmlformats.org/presentationml/2006/main">
+  <p:cSld>
+    <p:spTree>
+      <p:nvGrpSpPr>
+        <p:cNvPr id="1" name=""/>
+        <p:cNvGrpSpPr/>
+        <p:nvPr/>
+      </p:nvGrpSpPr>
+      <p:grpSpPr>
+        <a:xfrm>
+          <a:off x="0" y="0"/>
+          <a:ext cx="0" cy="0"/>
+          <a:chOff x="0" y="0"/>
+          <a:chExt cx="0" cy="0"/>
+        </a:xfrm>
+      </p:grpSpPr>
+      <p:sp>
+        <p:nvSpPr>
+          <p:cNvPr id="2" name="Образ слайда 1"/>
+          <p:cNvSpPr>
+            <a:spLocks noGrp="1" noRot="1" noChangeAspect="1"/>
+          </p:cNvSpPr>
+          <p:nvPr>
+            <p:ph type="sldImg"/>
+          </p:nvPr>
+        </p:nvSpPr>
+        <p:spPr/>
+      </p:sp>
+      <p:sp>
+        <p:nvSpPr>
+          <p:cNvPr id="3" name="Заметки 2"/>
+          <p:cNvSpPr>
+            <a:spLocks noGrp="1"/>
+          </p:cNvSpPr>
+          <p:nvPr>
+            <p:ph type="body" idx="1"/>
+          </p:nvPr>
+        </p:nvSpPr>
+        <p:spPr/>
+        <p:txBody>
+          <a:bodyPr/>
+          <a:lstStyle/>
+          <a:p>
+            <a:r>
+              <a:rPr lang="ru-RU" dirty="0" smtClean="0"/>
+              <a:t>В случае со структурами в массиве хранятся сами значения, а не ссылки на них</a:t>
+            </a:r>
+            <a:r>
+              <a:rPr lang="ru-RU" baseline="0" dirty="0" smtClean="0"/>
+              <a:t>, т.е. при итерации по массиву все нужны данные лежат в одном непрерывном участке памяти</a:t>
+            </a:r>
+            <a:br>
+              <a:rPr lang="ru-RU" baseline="0" dirty="0" smtClean="0"/>
+            </a:br>
+            <a:r>
+              <a:rPr lang="ru-RU" baseline="0" dirty="0" smtClean="0"/>
+              <a:t/>
+            </a:r>
+            <a:br>
+              <a:rPr lang="ru-RU" baseline="0" dirty="0" smtClean="0"/>
+            </a:br>
+            <a:r>
+              <a:rPr lang="ru-RU" baseline="0" dirty="0" smtClean="0"/>
+              <a:t>Отступление: обращение к </a:t>
+            </a:r>
+            <a:r>
+              <a:rPr lang="en-US" baseline="0" dirty="0" smtClean="0"/>
+              <a:t>RAM – </a:t>
+            </a:r>
+            <a:r>
+              <a:rPr lang="ru-RU" baseline="0" dirty="0" smtClean="0"/>
+              <a:t>дорогая операция, поэтому запрашиваемые данные записываются в кэш </a:t>
+            </a:r>
+            <a:r>
+              <a:rPr lang="en-US" baseline="0" dirty="0" smtClean="0"/>
+              <a:t>CPU</a:t>
+            </a:r>
+            <a:r>
+              <a:rPr lang="ru-RU" baseline="0" dirty="0" smtClean="0"/>
+              <a:t> </a:t>
+            </a:r>
+            <a:r>
+              <a:rPr lang="en-US" baseline="0" dirty="0" smtClean="0"/>
+              <a:t>(L0/L1/L2)</a:t>
+            </a:r>
+            <a:r>
+              <a:rPr lang="ru-RU" baseline="0" dirty="0" smtClean="0"/>
+              <a:t>, а потом используются оттуда. </a:t>
+            </a:r>
+            <a:br>
+              <a:rPr lang="ru-RU" baseline="0" dirty="0" smtClean="0"/>
+            </a:br>
+            <a:r>
+              <a:rPr lang="ru-RU" baseline="0" dirty="0" smtClean="0"/>
+              <a:t>При этом, при промахе в кэш (когда данных не оказалось в кэше </a:t>
+            </a:r>
+            <a:r>
+              <a:rPr lang="en-US" baseline="0" dirty="0" smtClean="0"/>
+              <a:t>CPU) </a:t>
+            </a:r>
+            <a:r>
+              <a:rPr lang="ru-RU" baseline="0" dirty="0" smtClean="0"/>
+              <a:t>из </a:t>
+            </a:r>
+            <a:r>
+              <a:rPr lang="en-US" baseline="0" dirty="0" smtClean="0"/>
+              <a:t>RAM </a:t>
+            </a:r>
+            <a:r>
+              <a:rPr lang="ru-RU" baseline="0" dirty="0" smtClean="0"/>
+              <a:t>копируются не только нужные данные, а целые страницы</a:t>
+            </a:r>
+            <a:br>
+              <a:rPr lang="ru-RU" baseline="0" dirty="0" smtClean="0"/>
+            </a:br>
+            <a:r>
+              <a:rPr lang="ru-RU" baseline="0" dirty="0" smtClean="0"/>
+              <a:t/>
+            </a:r>
+            <a:br>
+              <a:rPr lang="ru-RU" baseline="0" dirty="0" smtClean="0"/>
+            </a:br>
+            <a:r>
+              <a:rPr lang="ru-RU" baseline="0" dirty="0" smtClean="0"/>
+              <a:t>В случае со структурами это приведет к тому что данные будут помещены в </a:t>
+            </a:r>
+            <a:r>
+              <a:rPr lang="en-US" baseline="0" dirty="0" smtClean="0"/>
+              <a:t>CPU </a:t>
+            </a:r>
+            <a:r>
+              <a:rPr lang="ru-RU" baseline="0" dirty="0" smtClean="0"/>
+              <a:t>кэш, что положительно скажется на быстродействии</a:t>
+            </a:r>
+            <a:endParaRPr lang="ru-RU" dirty="0"/>
+          </a:p>
+        </p:txBody>
+      </p:sp>
+      <p:sp>
+        <p:nvSpPr>
+          <p:cNvPr id="4" name="Номер слайда 3"/>
+          <p:cNvSpPr>
+            <a:spLocks noGrp="1"/>
+          </p:cNvSpPr>
+          <p:nvPr>
+            <p:ph type="sldNum" sz="quarter" idx="10"/>
+          </p:nvPr>
+        </p:nvSpPr>
+        <p:spPr/>
+        <p:txBody>
+          <a:bodyPr/>
+          <a:lstStyle/>
+          <a:p>
+            <a:fld id="{6742DBE5-22E8-49C6-9E16-7DF565CD21B8}" type="slidenum">
+              <a:rPr lang="ru-RU" smtClean="0"/>
+              <a:t>12</a:t>
+            </a:fld>
+            <a:endParaRPr lang="ru-RU"/>
+          </a:p>
+        </p:txBody>
+      </p:sp>
+    </p:spTree>
+    <p:extLst>
+      <p:ext uri="{BB962C8B-B14F-4D97-AF65-F5344CB8AC3E}">
+        <p14:creationId xmlns:p14="http://schemas.microsoft.com/office/powerpoint/2010/main" val="4169063943"/>
+      </p:ext>
+    </p:extLst>
+  </p:cSld>
+  <p:clrMapOvr>
+    <a:masterClrMapping/>
+  </p:clrMapOvr>
+</p:notes>
 </file>
 
 <file path=ppt/slideLayouts/slideLayout1.xml><?xml version="1.0" encoding="utf-8"?>
@@ -5463,7 +7477,7 @@
             </a:pPr>
             <a:r>
               <a:rPr lang="en-US" sz="1600" dirty="0" smtClean="0">
-                <a:hlinkClick r:id="rId2"/>
+                <a:hlinkClick r:id="rId3"/>
               </a:rPr>
               <a:t>dotnet-cheatsheet/structs/code/Benchmarks</a:t>
             </a:r>
@@ -6571,14 +8585,6 @@
           <a:p>
             <a:pPr algn="r"/>
             <a:r>
-              <a:rPr lang="ru-RU" dirty="0" smtClean="0">
-                <a:solidFill>
-                  <a:schemeClr val="accent3"/>
-                </a:solidFill>
-              </a:rPr>
-              <a:t>применение: </a:t>
-            </a:r>
-            <a:r>
               <a:rPr lang="en-US" dirty="0" smtClean="0">
                 <a:solidFill>
                   <a:schemeClr val="accent3"/>
@@ -6635,13 +8641,13 @@
             </a:pPr>
             <a:r>
               <a:rPr lang="ru-RU" dirty="0" smtClean="0">
-                <a:hlinkClick r:id="rId2"/>
+                <a:hlinkClick r:id="rId3"/>
               </a:rPr>
               <a:t>пример </a:t>
             </a:r>
             <a:r>
               <a:rPr lang="en-US" dirty="0" smtClean="0">
-                <a:hlinkClick r:id="rId2"/>
+                <a:hlinkClick r:id="rId3"/>
               </a:rPr>
               <a:t>defensive copy</a:t>
             </a:r>
@@ -6668,11 +8674,11 @@
           <p:nvPr/>
         </p:nvPicPr>
         <p:blipFill>
-          <a:blip r:embed="rId3">
+          <a:blip r:embed="rId4">
             <a:extLst>
               <a:ext uri="{BEBA8EAE-BF5A-486C-A8C5-ECC9F3942E4B}">
                 <a14:imgProps xmlns:a14="http://schemas.microsoft.com/office/drawing/2010/main">
-                  <a14:imgLayer r:embed="rId4">
+                  <a14:imgLayer r:embed="rId5">
                     <a14:imgEffect>
                       <a14:brightnessContrast contrast="40000"/>
                     </a14:imgEffect>
@@ -6709,11 +8715,11 @@
           </p:nvPr>
         </p:nvPicPr>
         <p:blipFill>
-          <a:blip r:embed="rId5">
+          <a:blip r:embed="rId6">
             <a:extLst>
               <a:ext uri="{BEBA8EAE-BF5A-486C-A8C5-ECC9F3942E4B}">
                 <a14:imgProps xmlns:a14="http://schemas.microsoft.com/office/drawing/2010/main">
-                  <a14:imgLayer r:embed="rId6">
+                  <a14:imgLayer r:embed="rId7">
                     <a14:imgEffect>
                       <a14:brightnessContrast contrast="40000"/>
                     </a14:imgEffect>
@@ -7661,7 +9667,7 @@
         <p:spPr>
           <a:xfrm>
             <a:off x="631970" y="2862262"/>
-            <a:ext cx="5581794" cy="1264449"/>
+            <a:ext cx="5581794" cy="1209049"/>
           </a:xfrm>
           <a:prstGeom prst="rect">
             <a:avLst/>
@@ -7688,12 +9694,12 @@
               <a:buChar char="&gt;"/>
             </a:pPr>
             <a:r>
-              <a:rPr lang="ru-RU" sz="2800" dirty="0">
+              <a:rPr lang="ru-RU" sz="2800" dirty="0" smtClean="0">
                 <a:solidFill>
                   <a:prstClr val="white"/>
                 </a:solidFill>
               </a:rPr>
-              <a:t>по умолчанию размещается на стеке</a:t>
+              <a:t>размещается «по месту»</a:t>
             </a:r>
           </a:p>
           <a:p>
@@ -7712,20 +9718,12 @@
               <a:buChar char="&gt;"/>
             </a:pPr>
             <a:r>
-              <a:rPr lang="ru-RU" sz="2400" i="1" dirty="0">
-                <a:solidFill>
-                  <a:prstClr val="white"/>
-                </a:solidFill>
-              </a:rPr>
-              <a:t>исключение – </a:t>
-            </a:r>
-            <a:r>
               <a:rPr lang="ru-RU" sz="2400" i="1" dirty="0" smtClean="0">
                 <a:solidFill>
                   <a:prstClr val="white"/>
                 </a:solidFill>
               </a:rPr>
-              <a:t>упаковка</a:t>
+              <a:t>исключение – упаковка, тогда размещается в куче</a:t>
             </a:r>
             <a:endParaRPr lang="en-US" sz="2400" dirty="0">
               <a:solidFill>
@@ -7880,7 +9878,7 @@
         <p:spPr>
           <a:xfrm>
             <a:off x="6539702" y="2836787"/>
-            <a:ext cx="4815685" cy="867930"/>
+            <a:ext cx="4815685" cy="490904"/>
           </a:xfrm>
           <a:prstGeom prst="rect">
             <a:avLst/>
@@ -7907,13 +9905,18 @@
               <a:buChar char="&gt;"/>
             </a:pPr>
             <a:r>
-              <a:rPr lang="ru-RU" sz="2800" dirty="0">
+              <a:rPr lang="ru-RU" sz="2800" dirty="0" smtClean="0">
                 <a:solidFill>
                   <a:prstClr val="white"/>
                 </a:solidFill>
               </a:rPr>
-              <a:t>по умолчанию размещается в куче</a:t>
-            </a:r>
+              <a:t>размещается в куче</a:t>
+            </a:r>
+            <a:endParaRPr lang="ru-RU" sz="2800" dirty="0">
+              <a:solidFill>
+                <a:prstClr val="white"/>
+              </a:solidFill>
+            </a:endParaRPr>
           </a:p>
         </p:txBody>
       </p:sp>
@@ -8372,7 +10375,7 @@
             </a:r>
             <a:r>
               <a:rPr lang="ru-RU" dirty="0" smtClean="0"/>
-              <a:t>свойства - </a:t>
+              <a:t>свойства – </a:t>
             </a:r>
             <a:r>
               <a:rPr lang="ru-RU" dirty="0" smtClean="0">
@@ -8382,6 +10385,33 @@
               </a:rPr>
               <a:t>readonly</a:t>
             </a:r>
+          </a:p>
+          <a:p>
+            <a:pPr>
+              <a:buClr>
+                <a:schemeClr val="accent3"/>
+              </a:buClr>
+              <a:buSzPct val="60000"/>
+              <a:buFont typeface="Lucida Sans Typewriter" panose="020B0509030504030204" pitchFamily="49" charset="0"/>
+              <a:buChar char="&gt;"/>
+            </a:pPr>
+            <a:r>
+              <a:rPr lang="en-US" dirty="0" smtClean="0">
+                <a:solidFill>
+                  <a:schemeClr val="accent3"/>
+                </a:solidFill>
+              </a:rPr>
+              <a:t>readonly struct </a:t>
+            </a:r>
+            <a:r>
+              <a:rPr lang="ru-RU" dirty="0" smtClean="0"/>
+              <a:t>не подвержен </a:t>
+            </a:r>
+            <a:r>
+              <a:rPr lang="en-US" dirty="0" smtClean="0"/>
+              <a:t>defensive copy</a:t>
+            </a:r>
+            <a:endParaRPr lang="ru-RU" dirty="0" smtClean="0"/>
           </a:p>
         </p:txBody>
       </p:sp>
@@ -8664,40 +10694,9 @@
                                           </p:stCondLst>
                                         </p:cTn>
                                         <p:tgtEl>
-                                          <p:spTgt spid="5">
+                                          <p:spTgt spid="4">
                                             <p:txEl>
-                                              <p:pRg st="0" end="0"/>
-                                            </p:txEl>
-                                          </p:spTgt>
-                                        </p:tgtEl>
-                                        <p:attrNameLst>
-                                          <p:attrName>style.visibility</p:attrName>
-                                        </p:attrNameLst>
-                                      </p:cBhvr>
-                                      <p:to>
-                                        <p:strVal val="visible"/>
-                                      </p:to>
-                                    </p:set>
-                                  </p:childTnLst>
-                                </p:cTn>
-                              </p:par>
-                              <p:par>
-                                <p:cTn id="15" presetID="1" presetClass="entr" presetSubtype="0" fill="hold" grpId="0" nodeType="withEffect">
-                                  <p:stCondLst>
-                                    <p:cond delay="0"/>
-                                  </p:stCondLst>
-                                  <p:childTnLst>
-                                    <p:set>
-                                      <p:cBhvr>
-                                        <p:cTn id="16" dur="1" fill="hold">
-                                          <p:stCondLst>
-                                            <p:cond delay="0"/>
-                                          </p:stCondLst>
-                                        </p:cTn>
-                                        <p:tgtEl>
-                                          <p:spTgt spid="6">
-                                            <p:txEl>
-                                              <p:pRg st="0" end="0"/>
+                                              <p:pRg st="2" end="2"/>
                                             </p:txEl>
                                           </p:spTgt>
                                         </p:tgtEl>
@@ -8719,19 +10718,50 @@
                     </p:cTn>
                   </p:par>
                   <p:par>
-                    <p:cTn id="17" fill="hold">
+                    <p:cTn id="15" fill="hold">
                       <p:stCondLst>
                         <p:cond delay="indefinite"/>
                       </p:stCondLst>
                       <p:childTnLst>
                         <p:par>
-                          <p:cTn id="18" fill="hold">
+                          <p:cTn id="16" fill="hold">
                             <p:stCondLst>
                               <p:cond delay="0"/>
                             </p:stCondLst>
                             <p:childTnLst>
                               <p:par>
-                                <p:cTn id="19" presetID="1" presetClass="entr" presetSubtype="0" fill="hold" grpId="0" nodeType="clickEffect">
+                                <p:cTn id="17" presetID="1" presetClass="entr" presetSubtype="0" fill="hold" grpId="0" nodeType="clickEffect">
+                                  <p:stCondLst>
+                                    <p:cond delay="0"/>
+                                  </p:stCondLst>
+                                  <p:childTnLst>
+                                    <p:set>
+                                      <p:cBhvr>
+                                        <p:cTn id="18" dur="1" fill="hold">
+                                          <p:stCondLst>
+                                            <p:cond delay="0"/>
+                                          </p:stCondLst>
+                                        </p:cTn>
+                                        <p:tgtEl>
+                                          <p:spTgt spid="5">
+                                            <p:txEl>
+                                              <p:pRg st="0" end="0"/>
+                                            </p:txEl>
+                                          </p:spTgt>
+                                        </p:tgtEl>
+                                        <p:attrNameLst>
+                                          <p:attrName>style.visibility</p:attrName>
+                                        </p:attrNameLst>
+                                      </p:cBhvr>
+                                      <p:to>
+                                        <p:strVal val="visible"/>
+                                      </p:to>
+                                    </p:set>
+                                  </p:childTnLst>
+                                </p:cTn>
+                              </p:par>
+                              <p:par>
+                                <p:cTn id="19" presetID="1" presetClass="entr" presetSubtype="0" fill="hold" grpId="0" nodeType="withEffect">
                                   <p:stCondLst>
                                     <p:cond delay="0"/>
                                   </p:stCondLst>
@@ -8746,7 +10776,7 @@
                                         <p:tgtEl>
                                           <p:spTgt spid="6">
                                             <p:txEl>
-                                              <p:pRg st="1" end="1"/>
+                                              <p:pRg st="0" end="0"/>
                                             </p:txEl>
                                           </p:spTgt>
                                         </p:tgtEl>
@@ -8795,7 +10825,7 @@
                                         <p:tgtEl>
                                           <p:spTgt spid="6">
                                             <p:txEl>
-                                              <p:pRg st="2" end="2"/>
+                                              <p:pRg st="1" end="1"/>
                                             </p:txEl>
                                           </p:spTgt>
                                         </p:tgtEl>
@@ -8837,6 +10867,55 @@
                                     <p:set>
                                       <p:cBhvr>
                                         <p:cTn id="28" dur="1" fill="hold">
+                                          <p:stCondLst>
+                                            <p:cond delay="0"/>
+                                          </p:stCondLst>
+                                        </p:cTn>
+                                        <p:tgtEl>
+                                          <p:spTgt spid="6">
+                                            <p:txEl>
+                                              <p:pRg st="2" end="2"/>
+                                            </p:txEl>
+                                          </p:spTgt>
+                                        </p:tgtEl>
+                                        <p:attrNameLst>
+                                          <p:attrName>style.visibility</p:attrName>
+                                        </p:attrNameLst>
+                                      </p:cBhvr>
+                                      <p:to>
+                                        <p:strVal val="visible"/>
+                                      </p:to>
+                                    </p:set>
+                                  </p:childTnLst>
+                                </p:cTn>
+                              </p:par>
+                            </p:childTnLst>
+                          </p:cTn>
+                        </p:par>
+                      </p:childTnLst>
+                    </p:cTn>
+                  </p:par>
+                  <p:par>
+                    <p:cTn id="29" fill="hold">
+                      <p:stCondLst>
+                        <p:cond delay="indefinite"/>
+                      </p:stCondLst>
+                      <p:childTnLst>
+                        <p:par>
+                          <p:cTn id="30" fill="hold">
+                            <p:stCondLst>
+                              <p:cond delay="0"/>
+                            </p:stCondLst>
+                            <p:childTnLst>
+                              <p:par>
+                                <p:cTn id="31" presetID="1" presetClass="entr" presetSubtype="0" fill="hold" grpId="0" nodeType="clickEffect">
+                                  <p:stCondLst>
+                                    <p:cond delay="0"/>
+                                  </p:stCondLst>
+                                  <p:childTnLst>
+                                    <p:set>
+                                      <p:cBhvr>
+                                        <p:cTn id="32" dur="1" fill="hold">
                                           <p:stCondLst>
                                             <p:cond delay="0"/>
                                           </p:stCondLst>
@@ -9353,7 +11432,7 @@
                   <a:schemeClr val="accent3"/>
                 </a:solidFill>
               </a:rPr>
-              <a:t>типа</a:t>
+              <a:t>параметра</a:t>
             </a:r>
             <a:r>
               <a:rPr lang="ru-RU" u="sng" dirty="0">
@@ -10472,4 +12551,265 @@
     </a:ext>
   </a:extLst>
 </a:theme>
+</file>
+
+<file path=ppt/theme/theme2.xml><?xml version="1.0" encoding="utf-8"?>
+<a:theme xmlns:a="http://schemas.openxmlformats.org/drawingml/2006/main" name="Тема Office">
+  <a:themeElements>
+    <a:clrScheme name="Стандартная">
+      <a:dk1>
+        <a:sysClr val="windowText" lastClr="000000"/>
+      </a:dk1>
+      <a:lt1>
+        <a:sysClr val="window" lastClr="FFFFFF"/>
+      </a:lt1>
+      <a:dk2>
+        <a:srgbClr val="44546A"/>
+      </a:dk2>
+      <a:lt2>
+        <a:srgbClr val="E7E6E6"/>
+      </a:lt2>
+      <a:accent1>
+        <a:srgbClr val="5B9BD5"/>
+      </a:accent1>
+      <a:accent2>
+        <a:srgbClr val="ED7D31"/>
+      </a:accent2>
+      <a:accent3>
+        <a:srgbClr val="A5A5A5"/>
+      </a:accent3>
+      <a:accent4>
+        <a:srgbClr val="FFC000"/>
+      </a:accent4>
+      <a:accent5>
+        <a:srgbClr val="4472C4"/>
+      </a:accent5>
+      <a:accent6>
+        <a:srgbClr val="70AD47"/>
+      </a:accent6>
+      <a:hlink>
+        <a:srgbClr val="0563C1"/>
+      </a:hlink>
+      <a:folHlink>
+        <a:srgbClr val="954F72"/>
+      </a:folHlink>
+    </a:clrScheme>
+    <a:fontScheme name="Стандартная">
+      <a:majorFont>
+        <a:latin typeface="Calibri Light" panose="020F0302020204030204"/>
+        <a:ea typeface=""/>
+        <a:cs typeface=""/>
+        <a:font script="Jpan" typeface="游ゴシック Light"/>
+        <a:font script="Hang" typeface="맑은 고딕"/>
+        <a:font script="Hans" typeface="等线 Light"/>
+        <a:font script="Hant" typeface="新細明體"/>
+        <a:font script="Arab" typeface="Times New Roman"/>
+        <a:font script="Hebr" typeface="Times New Roman"/>
+        <a:font script="Thai" typeface="Angsana New"/>
+        <a:font script="Ethi" typeface="Nyala"/>
+        <a:font script="Beng" typeface="Vrinda"/>
+        <a:font script="Gujr" typeface="Shruti"/>
+        <a:font script="Khmr" typeface="MoolBoran"/>
+        <a:font script="Knda" typeface="Tunga"/>
+        <a:font script="Guru" typeface="Raavi"/>
+        <a:font script="Cans" typeface="Euphemia"/>
+        <a:font script="Cher" typeface="Plantagenet Cherokee"/>
+        <a:font script="Yiii" typeface="Microsoft Yi Baiti"/>
+        <a:font script="Tibt" typeface="Microsoft Himalaya"/>
+        <a:font script="Thaa" typeface="MV Boli"/>
+        <a:font script="Deva" typeface="Mangal"/>
+        <a:font script="Telu" typeface="Gautami"/>
+        <a:font script="Taml" typeface="Latha"/>
+        <a:font script="Syrc" typeface="Estrangelo Edessa"/>
+        <a:font script="Orya" typeface="Kalinga"/>
+        <a:font script="Mlym" typeface="Kartika"/>
+        <a:font script="Laoo" typeface="DokChampa"/>
+        <a:font script="Sinh" typeface="Iskoola Pota"/>
+        <a:font script="Mong" typeface="Mongolian Baiti"/>
+        <a:font script="Viet" typeface="Times New Roman"/>
+        <a:font script="Uigh" typeface="Microsoft Uighur"/>
+        <a:font script="Geor" typeface="Sylfaen"/>
+      </a:majorFont>
+      <a:minorFont>
+        <a:latin typeface="Calibri" panose="020F0502020204030204"/>
+        <a:ea typeface=""/>
+        <a:cs typeface=""/>
+        <a:font script="Jpan" typeface="游ゴシック"/>
+        <a:font script="Hang" typeface="맑은 고딕"/>
+        <a:font script="Hans" typeface="等线"/>
+        <a:font script="Hant" typeface="新細明體"/>
+        <a:font script="Arab" typeface="Arial"/>
+        <a:font script="Hebr" typeface="Arial"/>
+        <a:font script="Thai" typeface="Cordia New"/>
+        <a:font script="Ethi" typeface="Nyala"/>
+        <a:font script="Beng" typeface="Vrinda"/>
+        <a:font script="Gujr" typeface="Shruti"/>
+        <a:font script="Khmr" typeface="DaunPenh"/>
+        <a:font script="Knda" typeface="Tunga"/>
+        <a:font script="Guru" typeface="Raavi"/>
+        <a:font script="Cans" typeface="Euphemia"/>
+        <a:font script="Cher" typeface="Plantagenet Cherokee"/>
+        <a:font script="Yiii" typeface="Microsoft Yi Baiti"/>
+        <a:font script="Tibt" typeface="Microsoft Himalaya"/>
+        <a:font script="Thaa" typeface="MV Boli"/>
+        <a:font script="Deva" typeface="Mangal"/>
+        <a:font script="Telu" typeface="Gautami"/>
+        <a:font script="Taml" typeface="Latha"/>
+        <a:font script="Syrc" typeface="Estrangelo Edessa"/>
+        <a:font script="Orya" typeface="Kalinga"/>
+        <a:font script="Mlym" typeface="Kartika"/>
+        <a:font script="Laoo" typeface="DokChampa"/>
+        <a:font script="Sinh" typeface="Iskoola Pota"/>
+        <a:font script="Mong" typeface="Mongolian Baiti"/>
+        <a:font script="Viet" typeface="Arial"/>
+        <a:font script="Uigh" typeface="Microsoft Uighur"/>
+        <a:font script="Geor" typeface="Sylfaen"/>
+      </a:minorFont>
+    </a:fontScheme>
+    <a:fmtScheme name="Стандартная">
+      <a:fillStyleLst>
+        <a:solidFill>
+          <a:schemeClr val="phClr"/>
+        </a:solidFill>
+        <a:gradFill rotWithShape="1">
+          <a:gsLst>
+            <a:gs pos="0">
+              <a:schemeClr val="phClr">
+                <a:lumMod val="110000"/>
+                <a:satMod val="105000"/>
+                <a:tint val="67000"/>
+              </a:schemeClr>
+            </a:gs>
+            <a:gs pos="50000">
+              <a:schemeClr val="phClr">
+                <a:lumMod val="105000"/>
+                <a:satMod val="103000"/>
+                <a:tint val="73000"/>
+              </a:schemeClr>
+            </a:gs>
+            <a:gs pos="100000">
+              <a:schemeClr val="phClr">
+                <a:lumMod val="105000"/>
+                <a:satMod val="109000"/>
+                <a:tint val="81000"/>
+              </a:schemeClr>
+            </a:gs>
+          </a:gsLst>
+          <a:lin ang="5400000" scaled="0"/>
+        </a:gradFill>
+        <a:gradFill rotWithShape="1">
+          <a:gsLst>
+            <a:gs pos="0">
+              <a:schemeClr val="phClr">
+                <a:satMod val="103000"/>
+                <a:lumMod val="102000"/>
+                <a:tint val="94000"/>
+              </a:schemeClr>
+            </a:gs>
+            <a:gs pos="50000">
+              <a:schemeClr val="phClr">
+                <a:satMod val="110000"/>
+                <a:lumMod val="100000"/>
+                <a:shade val="100000"/>
+              </a:schemeClr>
+            </a:gs>
+            <a:gs pos="100000">
+              <a:schemeClr val="phClr">
+                <a:lumMod val="99000"/>
+                <a:satMod val="120000"/>
+                <a:shade val="78000"/>
+              </a:schemeClr>
+            </a:gs>
+          </a:gsLst>
+          <a:lin ang="5400000" scaled="0"/>
+        </a:gradFill>
+      </a:fillStyleLst>
+      <a:lnStyleLst>
+        <a:ln w="6350" cap="flat" cmpd="sng" algn="ctr">
+          <a:solidFill>
+            <a:schemeClr val="phClr"/>
+          </a:solidFill>
+          <a:prstDash val="solid"/>
+          <a:miter lim="800000"/>
+        </a:ln>
+        <a:ln w="12700" cap="flat" cmpd="sng" algn="ctr">
+          <a:solidFill>
+            <a:schemeClr val="phClr"/>
+          </a:solidFill>
+          <a:prstDash val="solid"/>
+          <a:miter lim="800000"/>
+        </a:ln>
+        <a:ln w="19050" cap="flat" cmpd="sng" algn="ctr">
+          <a:solidFill>
+            <a:schemeClr val="phClr"/>
+          </a:solidFill>
+          <a:prstDash val="solid"/>
+          <a:miter lim="800000"/>
+        </a:ln>
+      </a:lnStyleLst>
+      <a:effectStyleLst>
+        <a:effectStyle>
+          <a:effectLst/>
+        </a:effectStyle>
+        <a:effectStyle>
+          <a:effectLst/>
+        </a:effectStyle>
+        <a:effectStyle>
+          <a:effectLst>
+            <a:outerShdw blurRad="57150" dist="19050" dir="5400000" algn="ctr" rotWithShape="0">
+              <a:srgbClr val="000000">
+                <a:alpha val="63000"/>
+              </a:srgbClr>
+            </a:outerShdw>
+          </a:effectLst>
+        </a:effectStyle>
+      </a:effectStyleLst>
+      <a:bgFillStyleLst>
+        <a:solidFill>
+          <a:schemeClr val="phClr"/>
+        </a:solidFill>
+        <a:solidFill>
+          <a:schemeClr val="phClr">
+            <a:tint val="95000"/>
+            <a:satMod val="170000"/>
+          </a:schemeClr>
+        </a:solidFill>
+        <a:gradFill rotWithShape="1">
+          <a:gsLst>
+            <a:gs pos="0">
+              <a:schemeClr val="phClr">
+                <a:tint val="93000"/>
+                <a:satMod val="150000"/>
+                <a:shade val="98000"/>
+                <a:lumMod val="102000"/>
+              </a:schemeClr>
+            </a:gs>
+            <a:gs pos="50000">
+              <a:schemeClr val="phClr">
+                <a:tint val="98000"/>
+                <a:satMod val="130000"/>
+                <a:shade val="90000"/>
+                <a:lumMod val="103000"/>
+              </a:schemeClr>
+            </a:gs>
+            <a:gs pos="100000">
+              <a:schemeClr val="phClr">
+                <a:shade val="63000"/>
+                <a:satMod val="120000"/>
+              </a:schemeClr>
+            </a:gs>
+          </a:gsLst>
+          <a:lin ang="5400000" scaled="0"/>
+        </a:gradFill>
+      </a:bgFillStyleLst>
+    </a:fmtScheme>
+  </a:themeElements>
+  <a:objectDefaults/>
+  <a:extraClrSchemeLst/>
+  <a:extLst>
+    <a:ext uri="{05A4C25C-085E-4340-85A3-A5531E510DB2}">
+      <thm15:themeFamily xmlns:thm15="http://schemas.microsoft.com/office/thememl/2012/main" name="Office Theme" id="{62F939B6-93AF-4DB8-9C6B-D6C7DFDC589F}" vid="{4A3C46E8-61CC-4603-A589-7422A47A8E4A}"/>
+    </a:ext>
+  </a:extLst>
+</a:theme>
 </file>